--- a/presentation/netflix_yspark.pptx
+++ b/presentation/netflix_yspark.pptx
@@ -5,10 +5,10 @@
     <p:sldMasterId id="2147483648" r:id="rId1"/>
   </p:sldMasterIdLst>
   <p:notesMasterIdLst>
-    <p:notesMasterId r:id="rId10"/>
+    <p:notesMasterId r:id="rId21"/>
   </p:notesMasterIdLst>
   <p:handoutMasterIdLst>
-    <p:handoutMasterId r:id="rId11"/>
+    <p:handoutMasterId r:id="rId22"/>
   </p:handoutMasterIdLst>
   <p:sldIdLst>
     <p:sldId id="256" r:id="rId2"/>
@@ -19,6 +19,17 @@
     <p:sldId id="261" r:id="rId7"/>
     <p:sldId id="262" r:id="rId8"/>
     <p:sldId id="263" r:id="rId9"/>
+    <p:sldId id="264" r:id="rId10"/>
+    <p:sldId id="265" r:id="rId11"/>
+    <p:sldId id="266" r:id="rId12"/>
+    <p:sldId id="267" r:id="rId13"/>
+    <p:sldId id="268" r:id="rId14"/>
+    <p:sldId id="269" r:id="rId15"/>
+    <p:sldId id="270" r:id="rId16"/>
+    <p:sldId id="271" r:id="rId17"/>
+    <p:sldId id="272" r:id="rId18"/>
+    <p:sldId id="273" r:id="rId19"/>
+    <p:sldId id="274" r:id="rId20"/>
   </p:sldIdLst>
   <p:sldSz cx="9144000" cy="6858000" type="screen4x3"/>
   <p:notesSz cx="6858000" cy="9144000"/>
@@ -695,6 +706,32 @@
               <a:rPr lang="en-US" altLang="ko-KR" baseline="0" dirty="0" smtClean="0"/>
               <a:t> are what you like”, “You are what you say” that reveals private information from people’s preference. </a:t>
             </a:r>
+            <a:endParaRPr lang="en-US" altLang="ko-KR" baseline="0" dirty="0" smtClean="0"/>
+          </a:p>
+          <a:p>
+            <a:pPr marL="0" marR="0" lvl="1" indent="0" algn="l" defTabSz="914400" rtl="0" eaLnBrk="1" fontAlgn="auto" latinLnBrk="1" hangingPunct="1">
+              <a:lnSpc>
+                <a:spcPct val="100000"/>
+              </a:lnSpc>
+              <a:spcBef>
+                <a:spcPts val="0"/>
+              </a:spcBef>
+              <a:spcAft>
+                <a:spcPts val="0"/>
+              </a:spcAft>
+              <a:buClrTx/>
+              <a:buSzTx/>
+              <a:buFontTx/>
+              <a:buNone/>
+              <a:tabLst/>
+              <a:defRPr/>
+            </a:pPr>
+            <a:r>
+              <a:rPr lang="en-US" altLang="ko-KR" dirty="0" smtClean="0"/>
+              <a:t>1988 Video Privacy Protection Act</a:t>
+            </a:r>
+          </a:p>
+          <a:p>
             <a:endParaRPr lang="ko-KR" altLang="en-US" dirty="0"/>
           </a:p>
         </p:txBody>
@@ -726,6 +763,473 @@
     <p:extLst>
       <p:ext uri="{BB962C8B-B14F-4D97-AF65-F5344CB8AC3E}">
         <p14:creationId xmlns:p14="http://schemas.microsoft.com/office/powerpoint/2010/main" val="2999305499"/>
+      </p:ext>
+    </p:extLst>
+  </p:cSld>
+  <p:clrMapOvr>
+    <a:masterClrMapping/>
+  </p:clrMapOvr>
+</p:notes>
+</file>
+
+<file path=ppt/notesSlides/notesSlide2.xml><?xml version="1.0" encoding="utf-8"?>
+<p:notes xmlns:a="http://schemas.openxmlformats.org/drawingml/2006/main" xmlns:r="http://schemas.openxmlformats.org/officeDocument/2006/relationships" xmlns:p="http://schemas.openxmlformats.org/presentationml/2006/main">
+  <p:cSld>
+    <p:spTree>
+      <p:nvGrpSpPr>
+        <p:cNvPr id="1" name=""/>
+        <p:cNvGrpSpPr/>
+        <p:nvPr/>
+      </p:nvGrpSpPr>
+      <p:grpSpPr>
+        <a:xfrm>
+          <a:off x="0" y="0"/>
+          <a:ext cx="0" cy="0"/>
+          <a:chOff x="0" y="0"/>
+          <a:chExt cx="0" cy="0"/>
+        </a:xfrm>
+      </p:grpSpPr>
+      <p:sp>
+        <p:nvSpPr>
+          <p:cNvPr id="2" name="슬라이드 이미지 개체 틀 1"/>
+          <p:cNvSpPr>
+            <a:spLocks noGrp="1" noRot="1" noChangeAspect="1"/>
+          </p:cNvSpPr>
+          <p:nvPr>
+            <p:ph type="sldImg"/>
+          </p:nvPr>
+        </p:nvSpPr>
+        <p:spPr/>
+      </p:sp>
+      <p:sp>
+        <p:nvSpPr>
+          <p:cNvPr id="3" name="슬라이드 노트 개체 틀 2"/>
+          <p:cNvSpPr>
+            <a:spLocks noGrp="1"/>
+          </p:cNvSpPr>
+          <p:nvPr>
+            <p:ph type="body" idx="1"/>
+          </p:nvPr>
+        </p:nvSpPr>
+        <p:spPr/>
+        <p:txBody>
+          <a:bodyPr/>
+          <a:lstStyle/>
+          <a:p>
+            <a:r>
+              <a:rPr lang="en-US" altLang="ko-KR" dirty="0" smtClean="0"/>
+              <a:t>In order</a:t>
+            </a:r>
+            <a:r>
+              <a:rPr lang="en-US" altLang="ko-KR" baseline="0" dirty="0" smtClean="0"/>
+              <a:t> to justify the feasibility of our project, 2 premise conditions should be satisfied.</a:t>
+            </a:r>
+          </a:p>
+          <a:p>
+            <a:r>
+              <a:rPr lang="en-US" altLang="ko-KR" baseline="0" dirty="0" smtClean="0"/>
+              <a:t>Reproducibility means repetitive measurement of CPU usage on a single movie should show similar results.</a:t>
+            </a:r>
+          </a:p>
+          <a:p>
+            <a:r>
+              <a:rPr lang="en-US" altLang="ko-KR" baseline="0" dirty="0" smtClean="0"/>
+              <a:t>Uniqueness means CPU usage statistics of different movies should be differentiated from each other. </a:t>
+            </a:r>
+          </a:p>
+          <a:p>
+            <a:endParaRPr lang="en-US" altLang="ko-KR" baseline="0" dirty="0" smtClean="0"/>
+          </a:p>
+          <a:p>
+            <a:r>
+              <a:rPr lang="en-US" altLang="ko-KR" baseline="0" dirty="0" smtClean="0"/>
+              <a:t>Feasibility of .. means the attack should be implementable without any problem and also should be transparent to victims so that they can’t notice the attack. </a:t>
+            </a:r>
+          </a:p>
+          <a:p>
+            <a:endParaRPr lang="en-US" altLang="ko-KR" baseline="0" dirty="0" smtClean="0"/>
+          </a:p>
+          <a:p>
+            <a:endParaRPr lang="en-US" altLang="ko-KR" baseline="0" dirty="0" smtClean="0"/>
+          </a:p>
+        </p:txBody>
+      </p:sp>
+      <p:sp>
+        <p:nvSpPr>
+          <p:cNvPr id="4" name="슬라이드 번호 개체 틀 3"/>
+          <p:cNvSpPr>
+            <a:spLocks noGrp="1"/>
+          </p:cNvSpPr>
+          <p:nvPr>
+            <p:ph type="sldNum" sz="quarter" idx="10"/>
+          </p:nvPr>
+        </p:nvSpPr>
+        <p:spPr/>
+        <p:txBody>
+          <a:bodyPr/>
+          <a:lstStyle/>
+          <a:p>
+            <a:fld id="{63F51F21-C8BE-42CB-8217-E8C5E0198CCE}" type="slidenum">
+              <a:rPr lang="ko-KR" altLang="en-US" smtClean="0"/>
+              <a:t>4</a:t>
+            </a:fld>
+            <a:endParaRPr lang="ko-KR" altLang="en-US"/>
+          </a:p>
+        </p:txBody>
+      </p:sp>
+    </p:spTree>
+    <p:extLst>
+      <p:ext uri="{BB962C8B-B14F-4D97-AF65-F5344CB8AC3E}">
+        <p14:creationId xmlns:p14="http://schemas.microsoft.com/office/powerpoint/2010/main" val="1181764477"/>
+      </p:ext>
+    </p:extLst>
+  </p:cSld>
+  <p:clrMapOvr>
+    <a:masterClrMapping/>
+  </p:clrMapOvr>
+</p:notes>
+</file>
+
+<file path=ppt/notesSlides/notesSlide3.xml><?xml version="1.0" encoding="utf-8"?>
+<p:notes xmlns:a="http://schemas.openxmlformats.org/drawingml/2006/main" xmlns:r="http://schemas.openxmlformats.org/officeDocument/2006/relationships" xmlns:p="http://schemas.openxmlformats.org/presentationml/2006/main">
+  <p:cSld>
+    <p:spTree>
+      <p:nvGrpSpPr>
+        <p:cNvPr id="1" name=""/>
+        <p:cNvGrpSpPr/>
+        <p:nvPr/>
+      </p:nvGrpSpPr>
+      <p:grpSpPr>
+        <a:xfrm>
+          <a:off x="0" y="0"/>
+          <a:ext cx="0" cy="0"/>
+          <a:chOff x="0" y="0"/>
+          <a:chExt cx="0" cy="0"/>
+        </a:xfrm>
+      </p:grpSpPr>
+      <p:sp>
+        <p:nvSpPr>
+          <p:cNvPr id="2" name="슬라이드 이미지 개체 틀 1"/>
+          <p:cNvSpPr>
+            <a:spLocks noGrp="1" noRot="1" noChangeAspect="1"/>
+          </p:cNvSpPr>
+          <p:nvPr>
+            <p:ph type="sldImg"/>
+          </p:nvPr>
+        </p:nvSpPr>
+        <p:spPr/>
+      </p:sp>
+      <p:sp>
+        <p:nvSpPr>
+          <p:cNvPr id="3" name="슬라이드 노트 개체 틀 2"/>
+          <p:cNvSpPr>
+            <a:spLocks noGrp="1"/>
+          </p:cNvSpPr>
+          <p:nvPr>
+            <p:ph type="body" idx="1"/>
+          </p:nvPr>
+        </p:nvSpPr>
+        <p:spPr/>
+        <p:txBody>
+          <a:bodyPr/>
+          <a:lstStyle/>
+          <a:p>
+            <a:r>
+              <a:rPr lang="en-US" altLang="ko-KR" dirty="0" smtClean="0"/>
+              <a:t>To confirm</a:t>
+            </a:r>
+            <a:r>
+              <a:rPr lang="en-US" altLang="ko-KR" baseline="0" dirty="0" smtClean="0"/>
+              <a:t> the reproducibility and uniqueness, we collected CPU statistics from two movies as a preliminary experiment.</a:t>
+            </a:r>
+          </a:p>
+          <a:p>
+            <a:r>
+              <a:rPr lang="en-US" altLang="ko-KR" baseline="0" dirty="0" smtClean="0"/>
+              <a:t>As you can see in each graph, measurement of 5 times show almost same patterns. </a:t>
+            </a:r>
+          </a:p>
+          <a:p>
+            <a:r>
+              <a:rPr lang="en-US" altLang="ko-KR" baseline="0" dirty="0" smtClean="0"/>
+              <a:t>Also, two movie seem to show different, hopefully unique patterns.</a:t>
+            </a:r>
+          </a:p>
+          <a:p>
+            <a:endParaRPr lang="en-US" altLang="ko-KR" baseline="0" dirty="0" smtClean="0"/>
+          </a:p>
+          <a:p>
+            <a:r>
+              <a:rPr lang="en-US" altLang="ko-KR" baseline="0" dirty="0" smtClean="0"/>
+              <a:t>But we need more than this kind of rough guess. </a:t>
+            </a:r>
+          </a:p>
+          <a:p>
+            <a:r>
+              <a:rPr lang="en-US" altLang="ko-KR" baseline="0" dirty="0" smtClean="0"/>
+              <a:t>So we calculated the Euclidean distance among the sequences of the same movie and distance between different movies.</a:t>
+            </a:r>
+          </a:p>
+          <a:p>
+            <a:r>
+              <a:rPr lang="en-US" altLang="ko-KR" baseline="0" dirty="0" smtClean="0"/>
+              <a:t>This table clearly shows that the Euclidean distance within a single movie is much shorter than the distance between different two movies. </a:t>
+            </a:r>
+          </a:p>
+          <a:p>
+            <a:endParaRPr lang="en-US" altLang="ko-KR" baseline="0" dirty="0" smtClean="0"/>
+          </a:p>
+          <a:p>
+            <a:r>
+              <a:rPr lang="en-US" altLang="ko-KR" baseline="0" dirty="0" smtClean="0"/>
+              <a:t>Through this experiment, we confirmed reproducibility and uniqueness. </a:t>
+            </a:r>
+          </a:p>
+        </p:txBody>
+      </p:sp>
+      <p:sp>
+        <p:nvSpPr>
+          <p:cNvPr id="4" name="슬라이드 번호 개체 틀 3"/>
+          <p:cNvSpPr>
+            <a:spLocks noGrp="1"/>
+          </p:cNvSpPr>
+          <p:nvPr>
+            <p:ph type="sldNum" sz="quarter" idx="10"/>
+          </p:nvPr>
+        </p:nvSpPr>
+        <p:spPr/>
+        <p:txBody>
+          <a:bodyPr/>
+          <a:lstStyle/>
+          <a:p>
+            <a:fld id="{63F51F21-C8BE-42CB-8217-E8C5E0198CCE}" type="slidenum">
+              <a:rPr lang="ko-KR" altLang="en-US" smtClean="0"/>
+              <a:t>5</a:t>
+            </a:fld>
+            <a:endParaRPr lang="ko-KR" altLang="en-US"/>
+          </a:p>
+        </p:txBody>
+      </p:sp>
+    </p:spTree>
+    <p:extLst>
+      <p:ext uri="{BB962C8B-B14F-4D97-AF65-F5344CB8AC3E}">
+        <p14:creationId xmlns:p14="http://schemas.microsoft.com/office/powerpoint/2010/main" val="1753332961"/>
+      </p:ext>
+    </p:extLst>
+  </p:cSld>
+  <p:clrMapOvr>
+    <a:masterClrMapping/>
+  </p:clrMapOvr>
+</p:notes>
+</file>
+
+<file path=ppt/notesSlides/notesSlide4.xml><?xml version="1.0" encoding="utf-8"?>
+<p:notes xmlns:a="http://schemas.openxmlformats.org/drawingml/2006/main" xmlns:r="http://schemas.openxmlformats.org/officeDocument/2006/relationships" xmlns:p="http://schemas.openxmlformats.org/presentationml/2006/main">
+  <p:cSld>
+    <p:spTree>
+      <p:nvGrpSpPr>
+        <p:cNvPr id="1" name=""/>
+        <p:cNvGrpSpPr/>
+        <p:nvPr/>
+      </p:nvGrpSpPr>
+      <p:grpSpPr>
+        <a:xfrm>
+          <a:off x="0" y="0"/>
+          <a:ext cx="0" cy="0"/>
+          <a:chOff x="0" y="0"/>
+          <a:chExt cx="0" cy="0"/>
+        </a:xfrm>
+      </p:grpSpPr>
+      <p:sp>
+        <p:nvSpPr>
+          <p:cNvPr id="2" name="슬라이드 이미지 개체 틀 1"/>
+          <p:cNvSpPr>
+            <a:spLocks noGrp="1" noRot="1" noChangeAspect="1"/>
+          </p:cNvSpPr>
+          <p:nvPr>
+            <p:ph type="sldImg"/>
+          </p:nvPr>
+        </p:nvSpPr>
+        <p:spPr/>
+      </p:sp>
+      <p:sp>
+        <p:nvSpPr>
+          <p:cNvPr id="3" name="슬라이드 노트 개체 틀 2"/>
+          <p:cNvSpPr>
+            <a:spLocks noGrp="1"/>
+          </p:cNvSpPr>
+          <p:nvPr>
+            <p:ph type="body" idx="1"/>
+          </p:nvPr>
+        </p:nvSpPr>
+        <p:spPr/>
+        <p:txBody>
+          <a:bodyPr/>
+          <a:lstStyle/>
+          <a:p>
+            <a:r>
+              <a:rPr lang="en-US" altLang="ko-KR" dirty="0" smtClean="0"/>
+              <a:t>To</a:t>
+            </a:r>
+            <a:r>
+              <a:rPr lang="en-US" altLang="ko-KR" baseline="0" dirty="0" smtClean="0"/>
+              <a:t> confirm the second premise condition, we implemented a prototype of the side-channel attack application. </a:t>
+            </a:r>
+          </a:p>
+          <a:p>
+            <a:r>
+              <a:rPr lang="en-US" altLang="ko-KR" baseline="0" dirty="0" smtClean="0"/>
+              <a:t>As you can see here, this app can collect CPU statistics of Netflix app without any kind of permission. </a:t>
+            </a:r>
+          </a:p>
+          <a:p>
+            <a:r>
+              <a:rPr lang="en-US" altLang="ko-KR" baseline="0" dirty="0" smtClean="0"/>
+              <a:t>It would need an access to the Internet but most of apps already requires this permission.</a:t>
+            </a:r>
+          </a:p>
+          <a:p>
+            <a:r>
+              <a:rPr lang="en-US" altLang="ko-KR" baseline="0" dirty="0" smtClean="0"/>
+              <a:t>Therefore, we suppose that our side-channel attack can be easily embedded into other applications. </a:t>
+            </a:r>
+            <a:endParaRPr lang="ko-KR" altLang="en-US" dirty="0"/>
+          </a:p>
+        </p:txBody>
+      </p:sp>
+      <p:sp>
+        <p:nvSpPr>
+          <p:cNvPr id="4" name="슬라이드 번호 개체 틀 3"/>
+          <p:cNvSpPr>
+            <a:spLocks noGrp="1"/>
+          </p:cNvSpPr>
+          <p:nvPr>
+            <p:ph type="sldNum" sz="quarter" idx="10"/>
+          </p:nvPr>
+        </p:nvSpPr>
+        <p:spPr/>
+        <p:txBody>
+          <a:bodyPr/>
+          <a:lstStyle/>
+          <a:p>
+            <a:fld id="{63F51F21-C8BE-42CB-8217-E8C5E0198CCE}" type="slidenum">
+              <a:rPr lang="ko-KR" altLang="en-US" smtClean="0"/>
+              <a:t>6</a:t>
+            </a:fld>
+            <a:endParaRPr lang="ko-KR" altLang="en-US"/>
+          </a:p>
+        </p:txBody>
+      </p:sp>
+    </p:spTree>
+    <p:extLst>
+      <p:ext uri="{BB962C8B-B14F-4D97-AF65-F5344CB8AC3E}">
+        <p14:creationId xmlns:p14="http://schemas.microsoft.com/office/powerpoint/2010/main" val="4142786265"/>
+      </p:ext>
+    </p:extLst>
+  </p:cSld>
+  <p:clrMapOvr>
+    <a:masterClrMapping/>
+  </p:clrMapOvr>
+</p:notes>
+</file>
+
+<file path=ppt/notesSlides/notesSlide5.xml><?xml version="1.0" encoding="utf-8"?>
+<p:notes xmlns:a="http://schemas.openxmlformats.org/drawingml/2006/main" xmlns:r="http://schemas.openxmlformats.org/officeDocument/2006/relationships" xmlns:p="http://schemas.openxmlformats.org/presentationml/2006/main">
+  <p:cSld>
+    <p:spTree>
+      <p:nvGrpSpPr>
+        <p:cNvPr id="1" name=""/>
+        <p:cNvGrpSpPr/>
+        <p:nvPr/>
+      </p:nvGrpSpPr>
+      <p:grpSpPr>
+        <a:xfrm>
+          <a:off x="0" y="0"/>
+          <a:ext cx="0" cy="0"/>
+          <a:chOff x="0" y="0"/>
+          <a:chExt cx="0" cy="0"/>
+        </a:xfrm>
+      </p:grpSpPr>
+      <p:sp>
+        <p:nvSpPr>
+          <p:cNvPr id="2" name="슬라이드 이미지 개체 틀 1"/>
+          <p:cNvSpPr>
+            <a:spLocks noGrp="1" noRot="1" noChangeAspect="1"/>
+          </p:cNvSpPr>
+          <p:nvPr>
+            <p:ph type="sldImg"/>
+          </p:nvPr>
+        </p:nvSpPr>
+        <p:spPr/>
+      </p:sp>
+      <p:sp>
+        <p:nvSpPr>
+          <p:cNvPr id="3" name="슬라이드 노트 개체 틀 2"/>
+          <p:cNvSpPr>
+            <a:spLocks noGrp="1"/>
+          </p:cNvSpPr>
+          <p:nvPr>
+            <p:ph type="body" idx="1"/>
+          </p:nvPr>
+        </p:nvSpPr>
+        <p:spPr/>
+        <p:txBody>
+          <a:bodyPr/>
+          <a:lstStyle/>
+          <a:p>
+            <a:r>
+              <a:rPr lang="en-US" altLang="ko-KR" dirty="0" smtClean="0"/>
+              <a:t>We</a:t>
+            </a:r>
+            <a:r>
+              <a:rPr lang="en-US" altLang="ko-KR" baseline="0" dirty="0" smtClean="0"/>
+              <a:t> implemented KNN method to classify a given CPU statistics based on pre-collected database of CPU statistics. </a:t>
+            </a:r>
+          </a:p>
+          <a:p>
+            <a:r>
+              <a:rPr lang="en-US" altLang="ko-KR" baseline="0" dirty="0" smtClean="0"/>
+              <a:t>In this method, we calculate the Euclidean distance between sequences and then pick K nearest ones. </a:t>
+            </a:r>
+          </a:p>
+          <a:p>
+            <a:r>
+              <a:rPr lang="en-US" altLang="ko-KR" baseline="0" dirty="0" smtClean="0"/>
+              <a:t>Then we determine the label of the test sequence by majority rule. </a:t>
+            </a:r>
+          </a:p>
+          <a:p>
+            <a:endParaRPr lang="ko-KR" altLang="en-US" dirty="0"/>
+          </a:p>
+        </p:txBody>
+      </p:sp>
+      <p:sp>
+        <p:nvSpPr>
+          <p:cNvPr id="4" name="슬라이드 번호 개체 틀 3"/>
+          <p:cNvSpPr>
+            <a:spLocks noGrp="1"/>
+          </p:cNvSpPr>
+          <p:nvPr>
+            <p:ph type="sldNum" sz="quarter" idx="10"/>
+          </p:nvPr>
+        </p:nvSpPr>
+        <p:spPr/>
+        <p:txBody>
+          <a:bodyPr/>
+          <a:lstStyle/>
+          <a:p>
+            <a:fld id="{63F51F21-C8BE-42CB-8217-E8C5E0198CCE}" type="slidenum">
+              <a:rPr lang="ko-KR" altLang="en-US" smtClean="0"/>
+              <a:t>8</a:t>
+            </a:fld>
+            <a:endParaRPr lang="ko-KR" altLang="en-US"/>
+          </a:p>
+        </p:txBody>
+      </p:sp>
+    </p:spTree>
+    <p:extLst>
+      <p:ext uri="{BB962C8B-B14F-4D97-AF65-F5344CB8AC3E}">
+        <p14:creationId xmlns:p14="http://schemas.microsoft.com/office/powerpoint/2010/main" val="4043893374"/>
       </p:ext>
     </p:extLst>
   </p:cSld>
@@ -3862,7 +4366,47 @@
           <a:p>
             <a:r>
               <a:rPr lang="en-US" altLang="ko-KR" dirty="0" smtClean="0"/>
-              <a:t>I know what you are watching</a:t>
+              <a:t>I </a:t>
+            </a:r>
+            <a:r>
+              <a:rPr lang="en-US" altLang="ko-KR" dirty="0" smtClean="0"/>
+              <a:t>Know </a:t>
+            </a:r>
+            <a:r>
+              <a:rPr lang="en-US" altLang="ko-KR" dirty="0"/>
+              <a:t>W</a:t>
+            </a:r>
+            <a:r>
+              <a:rPr lang="en-US" altLang="ko-KR" dirty="0" smtClean="0"/>
+              <a:t>hat </a:t>
+            </a:r>
+            <a:r>
+              <a:rPr lang="en-US" altLang="ko-KR" dirty="0"/>
+              <a:t>Y</a:t>
+            </a:r>
+            <a:r>
+              <a:rPr lang="en-US" altLang="ko-KR" dirty="0" smtClean="0"/>
+              <a:t>ou </a:t>
+            </a:r>
+            <a:r>
+              <a:rPr lang="en-US" altLang="ko-KR" dirty="0"/>
+              <a:t>A</a:t>
+            </a:r>
+            <a:r>
+              <a:rPr lang="en-US" altLang="ko-KR" dirty="0" smtClean="0"/>
+              <a:t>re </a:t>
+            </a:r>
+            <a:r>
+              <a:rPr lang="en-US" altLang="ko-KR" dirty="0"/>
+              <a:t>W</a:t>
+            </a:r>
+            <a:r>
+              <a:rPr lang="en-US" altLang="ko-KR" dirty="0" smtClean="0"/>
+              <a:t>atching</a:t>
+            </a:r>
+            <a:r>
+              <a:rPr lang="en-US" altLang="ko-KR" dirty="0" smtClean="0"/>
+              <a:t/>
             </a:r>
             <a:br>
               <a:rPr lang="en-US" altLang="ko-KR" dirty="0" smtClean="0"/>
@@ -3900,18 +4444,17 @@
           <a:p>
             <a:r>
               <a:rPr lang="en-US" altLang="ko-KR" sz="1800" dirty="0" smtClean="0"/>
-              <a:t>(</a:t>
-            </a:r>
-            <a:r>
-              <a:rPr lang="en-US" altLang="ko-KR" sz="1800" dirty="0" smtClean="0">
-                <a:hlinkClick r:id="rId2"/>
-              </a:rPr>
               <a:t>klee@cs.umd.edu</a:t>
             </a:r>
             <a:r>
               <a:rPr lang="en-US" altLang="ko-KR" sz="1800" dirty="0" smtClean="0"/>
-              <a:t>, yspark@cs.umd.edu)</a:t>
-            </a:r>
+              <a:t>, </a:t>
+            </a:r>
+            <a:r>
+              <a:rPr lang="en-US" altLang="ko-KR" sz="1800" dirty="0" smtClean="0"/>
+              <a:t>yspark@cs.umd.edu</a:t>
+            </a:r>
+            <a:endParaRPr lang="en-US" altLang="ko-KR" sz="1800" dirty="0" smtClean="0"/>
           </a:p>
           <a:p>
             <a:r>
@@ -3939,6 +4482,2389 @@
       </p:par>
     </p:tnLst>
   </p:timing>
+</p:sld>
+</file>
+
+<file path=ppt/slides/slide10.xml><?xml version="1.0" encoding="utf-8"?>
+<p:sld xmlns:a="http://schemas.openxmlformats.org/drawingml/2006/main" xmlns:r="http://schemas.openxmlformats.org/officeDocument/2006/relationships" xmlns:p="http://schemas.openxmlformats.org/presentationml/2006/main">
+  <p:cSld>
+    <p:spTree>
+      <p:nvGrpSpPr>
+        <p:cNvPr id="1" name=""/>
+        <p:cNvGrpSpPr/>
+        <p:nvPr/>
+      </p:nvGrpSpPr>
+      <p:grpSpPr>
+        <a:xfrm>
+          <a:off x="0" y="0"/>
+          <a:ext cx="0" cy="0"/>
+          <a:chOff x="0" y="0"/>
+          <a:chExt cx="0" cy="0"/>
+        </a:xfrm>
+      </p:grpSpPr>
+      <p:sp>
+        <p:nvSpPr>
+          <p:cNvPr id="2" name="제목 1"/>
+          <p:cNvSpPr>
+            <a:spLocks noGrp="1"/>
+          </p:cNvSpPr>
+          <p:nvPr>
+            <p:ph type="title"/>
+          </p:nvPr>
+        </p:nvSpPr>
+        <p:spPr/>
+        <p:txBody>
+          <a:bodyPr>
+            <a:normAutofit/>
+          </a:bodyPr>
+          <a:lstStyle/>
+          <a:p>
+            <a:r>
+              <a:rPr lang="en-US" altLang="ko-KR" sz="3600" dirty="0" smtClean="0">
+                <a:solidFill>
+                  <a:prstClr val="black"/>
+                </a:solidFill>
+              </a:rPr>
+              <a:t>Fast Subsequence Matching Algorithm</a:t>
+            </a:r>
+            <a:endParaRPr lang="ko-KR" altLang="en-US" dirty="0"/>
+          </a:p>
+        </p:txBody>
+      </p:sp>
+      <p:sp>
+        <p:nvSpPr>
+          <p:cNvPr id="3" name="내용 개체 틀 2"/>
+          <p:cNvSpPr>
+            <a:spLocks noGrp="1"/>
+          </p:cNvSpPr>
+          <p:nvPr>
+            <p:ph idx="1"/>
+          </p:nvPr>
+        </p:nvSpPr>
+        <p:spPr/>
+        <p:txBody>
+          <a:bodyPr/>
+          <a:lstStyle/>
+          <a:p>
+            <a:r>
+              <a:rPr lang="en-US" altLang="ko-KR" dirty="0" smtClean="0"/>
+              <a:t>Pre-processing (Query Sequence)</a:t>
+            </a:r>
+          </a:p>
+          <a:p>
+            <a:pPr lvl="1"/>
+            <a:r>
+              <a:rPr lang="en-US" altLang="ko-KR" dirty="0" smtClean="0"/>
+              <a:t>Smoothing (</a:t>
+            </a:r>
+            <a:r>
+              <a:rPr lang="en-US" altLang="ko-KR" dirty="0" err="1" smtClean="0"/>
+              <a:t>Savitzky-Gollay</a:t>
+            </a:r>
+            <a:r>
+              <a:rPr lang="en-US" altLang="ko-KR" dirty="0" smtClean="0"/>
+              <a:t> Filter)</a:t>
+            </a:r>
+          </a:p>
+          <a:p>
+            <a:pPr lvl="1"/>
+            <a:r>
+              <a:rPr lang="en-US" altLang="ko-KR" dirty="0" smtClean="0"/>
+              <a:t>Discrete Fourier Transformation</a:t>
+            </a:r>
+            <a:endParaRPr lang="ko-KR" altLang="en-US" dirty="0" smtClean="0"/>
+          </a:p>
+          <a:p>
+            <a:endParaRPr lang="ko-KR" altLang="en-US" dirty="0"/>
+          </a:p>
+        </p:txBody>
+      </p:sp>
+      <p:pic>
+        <p:nvPicPr>
+          <p:cNvPr id="5" name="Picture 2"/>
+          <p:cNvPicPr>
+            <a:picLocks noChangeAspect="1" noChangeArrowheads="1"/>
+          </p:cNvPicPr>
+          <p:nvPr/>
+        </p:nvPicPr>
+        <p:blipFill>
+          <a:blip r:embed="rId2" cstate="print"/>
+          <a:srcRect/>
+          <a:stretch>
+            <a:fillRect/>
+          </a:stretch>
+        </p:blipFill>
+        <p:spPr bwMode="auto">
+          <a:xfrm>
+            <a:off x="323528" y="2695575"/>
+            <a:ext cx="8639175" cy="2105025"/>
+          </a:xfrm>
+          <a:prstGeom prst="rect">
+            <a:avLst/>
+          </a:prstGeom>
+          <a:noFill/>
+          <a:ln w="9525">
+            <a:noFill/>
+            <a:miter lim="800000"/>
+            <a:headEnd/>
+            <a:tailEnd/>
+          </a:ln>
+        </p:spPr>
+      </p:pic>
+    </p:spTree>
+    <p:extLst>
+      <p:ext uri="{BB962C8B-B14F-4D97-AF65-F5344CB8AC3E}">
+        <p14:creationId xmlns:p14="http://schemas.microsoft.com/office/powerpoint/2010/main" val="2672213932"/>
+      </p:ext>
+    </p:extLst>
+  </p:cSld>
+  <p:clrMapOvr>
+    <a:masterClrMapping/>
+  </p:clrMapOvr>
+  <p:timing>
+    <p:tnLst>
+      <p:par>
+        <p:cTn id="1" dur="indefinite" restart="never" nodeType="tmRoot"/>
+      </p:par>
+    </p:tnLst>
+  </p:timing>
+</p:sld>
+</file>
+
+<file path=ppt/slides/slide11.xml><?xml version="1.0" encoding="utf-8"?>
+<p:sld xmlns:a="http://schemas.openxmlformats.org/drawingml/2006/main" xmlns:r="http://schemas.openxmlformats.org/officeDocument/2006/relationships" xmlns:p="http://schemas.openxmlformats.org/presentationml/2006/main">
+  <p:cSld>
+    <p:spTree>
+      <p:nvGrpSpPr>
+        <p:cNvPr id="1" name=""/>
+        <p:cNvGrpSpPr/>
+        <p:nvPr/>
+      </p:nvGrpSpPr>
+      <p:grpSpPr>
+        <a:xfrm>
+          <a:off x="0" y="0"/>
+          <a:ext cx="0" cy="0"/>
+          <a:chOff x="0" y="0"/>
+          <a:chExt cx="0" cy="0"/>
+        </a:xfrm>
+      </p:grpSpPr>
+      <p:sp>
+        <p:nvSpPr>
+          <p:cNvPr id="2" name="제목 1"/>
+          <p:cNvSpPr>
+            <a:spLocks noGrp="1"/>
+          </p:cNvSpPr>
+          <p:nvPr>
+            <p:ph type="title"/>
+          </p:nvPr>
+        </p:nvSpPr>
+        <p:spPr/>
+        <p:txBody>
+          <a:bodyPr>
+            <a:normAutofit/>
+          </a:bodyPr>
+          <a:lstStyle/>
+          <a:p>
+            <a:r>
+              <a:rPr lang="en-US" altLang="ko-KR" sz="3600" dirty="0" smtClean="0">
+                <a:solidFill>
+                  <a:prstClr val="black"/>
+                </a:solidFill>
+              </a:rPr>
+              <a:t>Fast Subsequence Matching Algorithm</a:t>
+            </a:r>
+            <a:endParaRPr lang="ko-KR" altLang="en-US" dirty="0"/>
+          </a:p>
+        </p:txBody>
+      </p:sp>
+      <p:sp>
+        <p:nvSpPr>
+          <p:cNvPr id="3" name="내용 개체 틀 2"/>
+          <p:cNvSpPr>
+            <a:spLocks noGrp="1"/>
+          </p:cNvSpPr>
+          <p:nvPr>
+            <p:ph idx="1"/>
+          </p:nvPr>
+        </p:nvSpPr>
+        <p:spPr/>
+        <p:txBody>
+          <a:bodyPr/>
+          <a:lstStyle/>
+          <a:p>
+            <a:r>
+              <a:rPr lang="en-US" altLang="ko-KR" dirty="0" smtClean="0"/>
+              <a:t>Sequence Matching – Nearest Neighbor search</a:t>
+            </a:r>
+          </a:p>
+          <a:p>
+            <a:pPr lvl="1"/>
+            <a:r>
+              <a:rPr lang="en-US" altLang="ko-KR" dirty="0" smtClean="0"/>
+              <a:t>Packaged points - Node</a:t>
+            </a:r>
+          </a:p>
+          <a:p>
+            <a:pPr lvl="2"/>
+            <a:r>
+              <a:rPr lang="en-US" altLang="ko-KR" dirty="0" smtClean="0"/>
+              <a:t>Database sequence – Store to the Data structure (R*tree)</a:t>
+            </a:r>
+          </a:p>
+          <a:p>
+            <a:pPr lvl="2"/>
+            <a:r>
+              <a:rPr lang="en-US" altLang="ko-KR" dirty="0" smtClean="0"/>
+              <a:t>Query sequence – Search nearest neighbor from the Data structure</a:t>
+            </a:r>
+            <a:endParaRPr lang="ko-KR" altLang="en-US" dirty="0"/>
+          </a:p>
+        </p:txBody>
+      </p:sp>
+      <p:pic>
+        <p:nvPicPr>
+          <p:cNvPr id="3074" name="Picture 2"/>
+          <p:cNvPicPr>
+            <a:picLocks noChangeAspect="1" noChangeArrowheads="1"/>
+          </p:cNvPicPr>
+          <p:nvPr/>
+        </p:nvPicPr>
+        <p:blipFill>
+          <a:blip r:embed="rId2" cstate="print"/>
+          <a:srcRect/>
+          <a:stretch>
+            <a:fillRect/>
+          </a:stretch>
+        </p:blipFill>
+        <p:spPr bwMode="auto">
+          <a:xfrm>
+            <a:off x="76200" y="2636912"/>
+            <a:ext cx="8991600" cy="2400300"/>
+          </a:xfrm>
+          <a:prstGeom prst="rect">
+            <a:avLst/>
+          </a:prstGeom>
+          <a:noFill/>
+          <a:ln w="9525">
+            <a:noFill/>
+            <a:miter lim="800000"/>
+            <a:headEnd/>
+            <a:tailEnd/>
+          </a:ln>
+        </p:spPr>
+      </p:pic>
+      <p:grpSp>
+        <p:nvGrpSpPr>
+          <p:cNvPr id="7" name="그룹 6"/>
+          <p:cNvGrpSpPr/>
+          <p:nvPr/>
+        </p:nvGrpSpPr>
+        <p:grpSpPr>
+          <a:xfrm>
+            <a:off x="2411760" y="4299642"/>
+            <a:ext cx="2160240" cy="2225702"/>
+            <a:chOff x="2411760" y="4299642"/>
+            <a:chExt cx="2160240" cy="2225702"/>
+          </a:xfrm>
+        </p:grpSpPr>
+        <p:pic>
+          <p:nvPicPr>
+            <p:cNvPr id="3075" name="Picture 3"/>
+            <p:cNvPicPr>
+              <a:picLocks noChangeAspect="1" noChangeArrowheads="1"/>
+            </p:cNvPicPr>
+            <p:nvPr/>
+          </p:nvPicPr>
+          <p:blipFill>
+            <a:blip r:embed="rId3" cstate="print"/>
+            <a:srcRect/>
+            <a:stretch>
+              <a:fillRect/>
+            </a:stretch>
+          </p:blipFill>
+          <p:spPr bwMode="auto">
+            <a:xfrm>
+              <a:off x="2411760" y="4299642"/>
+              <a:ext cx="2160240" cy="2225702"/>
+            </a:xfrm>
+            <a:prstGeom prst="rect">
+              <a:avLst/>
+            </a:prstGeom>
+            <a:noFill/>
+            <a:ln w="9525">
+              <a:noFill/>
+              <a:miter lim="800000"/>
+              <a:headEnd/>
+              <a:tailEnd/>
+            </a:ln>
+          </p:spPr>
+        </p:pic>
+        <p:sp>
+          <p:nvSpPr>
+            <p:cNvPr id="6" name="직사각형 5"/>
+            <p:cNvSpPr/>
+            <p:nvPr/>
+          </p:nvSpPr>
+          <p:spPr>
+            <a:xfrm>
+              <a:off x="4010225" y="4610269"/>
+              <a:ext cx="144016" cy="72008"/>
+            </a:xfrm>
+            <a:prstGeom prst="rect">
+              <a:avLst/>
+            </a:prstGeom>
+            <a:noFill/>
+            <a:ln w="9525"/>
+          </p:spPr>
+          <p:style>
+            <a:lnRef idx="2">
+              <a:schemeClr val="accent1">
+                <a:shade val="50000"/>
+              </a:schemeClr>
+            </a:lnRef>
+            <a:fillRef idx="1">
+              <a:schemeClr val="accent1"/>
+            </a:fillRef>
+            <a:effectRef idx="0">
+              <a:schemeClr val="accent1"/>
+            </a:effectRef>
+            <a:fontRef idx="minor">
+              <a:schemeClr val="lt1"/>
+            </a:fontRef>
+          </p:style>
+          <p:txBody>
+            <a:bodyPr rtlCol="0" anchor="ctr"/>
+            <a:lstStyle/>
+            <a:p>
+              <a:pPr algn="ctr"/>
+              <a:endParaRPr lang="ko-KR" altLang="en-US"/>
+            </a:p>
+          </p:txBody>
+        </p:sp>
+      </p:grpSp>
+    </p:spTree>
+    <p:extLst>
+      <p:ext uri="{BB962C8B-B14F-4D97-AF65-F5344CB8AC3E}">
+        <p14:creationId xmlns:p14="http://schemas.microsoft.com/office/powerpoint/2010/main" val="3935966828"/>
+      </p:ext>
+    </p:extLst>
+  </p:cSld>
+  <p:clrMapOvr>
+    <a:masterClrMapping/>
+  </p:clrMapOvr>
+  <p:transition/>
+  <p:timing>
+    <p:tnLst>
+      <p:par>
+        <p:cTn id="1" dur="indefinite" restart="never" nodeType="tmRoot">
+          <p:childTnLst>
+            <p:seq concurrent="1" nextAc="seek">
+              <p:cTn id="2" dur="indefinite" nodeType="mainSeq">
+                <p:childTnLst>
+                  <p:par>
+                    <p:cTn id="3" fill="hold">
+                      <p:stCondLst>
+                        <p:cond delay="indefinite"/>
+                      </p:stCondLst>
+                      <p:childTnLst>
+                        <p:par>
+                          <p:cTn id="4" fill="hold">
+                            <p:stCondLst>
+                              <p:cond delay="0"/>
+                            </p:stCondLst>
+                            <p:childTnLst>
+                              <p:par>
+                                <p:cTn id="5" presetID="22" presetClass="entr" presetSubtype="4" fill="hold" nodeType="clickEffect">
+                                  <p:stCondLst>
+                                    <p:cond delay="0"/>
+                                  </p:stCondLst>
+                                  <p:childTnLst>
+                                    <p:set>
+                                      <p:cBhvr>
+                                        <p:cTn id="6" dur="1" fill="hold">
+                                          <p:stCondLst>
+                                            <p:cond delay="0"/>
+                                          </p:stCondLst>
+                                        </p:cTn>
+                                        <p:tgtEl>
+                                          <p:spTgt spid="7"/>
+                                        </p:tgtEl>
+                                        <p:attrNameLst>
+                                          <p:attrName>style.visibility</p:attrName>
+                                        </p:attrNameLst>
+                                      </p:cBhvr>
+                                      <p:to>
+                                        <p:strVal val="visible"/>
+                                      </p:to>
+                                    </p:set>
+                                    <p:animEffect transition="in" filter="wipe(down)">
+                                      <p:cBhvr>
+                                        <p:cTn id="7" dur="500"/>
+                                        <p:tgtEl>
+                                          <p:spTgt spid="7"/>
+                                        </p:tgtEl>
+                                      </p:cBhvr>
+                                    </p:animEffect>
+                                  </p:childTnLst>
+                                </p:cTn>
+                              </p:par>
+                            </p:childTnLst>
+                          </p:cTn>
+                        </p:par>
+                      </p:childTnLst>
+                    </p:cTn>
+                  </p:par>
+                </p:childTnLst>
+              </p:cTn>
+              <p:prevCondLst>
+                <p:cond evt="onPrev" delay="0">
+                  <p:tgtEl>
+                    <p:sldTgt/>
+                  </p:tgtEl>
+                </p:cond>
+              </p:prevCondLst>
+              <p:nextCondLst>
+                <p:cond evt="onNext" delay="0">
+                  <p:tgtEl>
+                    <p:sldTgt/>
+                  </p:tgtEl>
+                </p:cond>
+              </p:nextCondLst>
+            </p:seq>
+          </p:childTnLst>
+        </p:cTn>
+      </p:par>
+    </p:tnLst>
+  </p:timing>
+</p:sld>
+</file>
+
+<file path=ppt/slides/slide12.xml><?xml version="1.0" encoding="utf-8"?>
+<p:sld xmlns:a="http://schemas.openxmlformats.org/drawingml/2006/main" xmlns:r="http://schemas.openxmlformats.org/officeDocument/2006/relationships" xmlns:p="http://schemas.openxmlformats.org/presentationml/2006/main">
+  <p:cSld>
+    <p:spTree>
+      <p:nvGrpSpPr>
+        <p:cNvPr id="1" name=""/>
+        <p:cNvGrpSpPr/>
+        <p:nvPr/>
+      </p:nvGrpSpPr>
+      <p:grpSpPr>
+        <a:xfrm>
+          <a:off x="0" y="0"/>
+          <a:ext cx="0" cy="0"/>
+          <a:chOff x="0" y="0"/>
+          <a:chExt cx="0" cy="0"/>
+        </a:xfrm>
+      </p:grpSpPr>
+      <p:sp>
+        <p:nvSpPr>
+          <p:cNvPr id="2" name="제목 1"/>
+          <p:cNvSpPr>
+            <a:spLocks noGrp="1"/>
+          </p:cNvSpPr>
+          <p:nvPr>
+            <p:ph type="title"/>
+          </p:nvPr>
+        </p:nvSpPr>
+        <p:spPr/>
+        <p:txBody>
+          <a:bodyPr>
+            <a:normAutofit/>
+          </a:bodyPr>
+          <a:lstStyle/>
+          <a:p>
+            <a:r>
+              <a:rPr lang="en-US" dirty="0" smtClean="0"/>
+              <a:t>Experimental Results</a:t>
+            </a:r>
+            <a:endParaRPr lang="en-US" dirty="0"/>
+          </a:p>
+        </p:txBody>
+      </p:sp>
+      <p:sp>
+        <p:nvSpPr>
+          <p:cNvPr id="3" name="내용 개체 틀 2"/>
+          <p:cNvSpPr>
+            <a:spLocks noGrp="1"/>
+          </p:cNvSpPr>
+          <p:nvPr>
+            <p:ph idx="1"/>
+          </p:nvPr>
+        </p:nvSpPr>
+        <p:spPr>
+          <a:xfrm>
+            <a:off x="457200" y="1600200"/>
+            <a:ext cx="8305800" cy="4525963"/>
+          </a:xfrm>
+        </p:spPr>
+        <p:txBody>
+          <a:bodyPr>
+            <a:normAutofit fontScale="92500"/>
+          </a:bodyPr>
+          <a:lstStyle/>
+          <a:p>
+            <a:r>
+              <a:rPr lang="en-US" dirty="0" smtClean="0"/>
+              <a:t>Experimental Setup</a:t>
+            </a:r>
+          </a:p>
+          <a:p>
+            <a:pPr lvl="1"/>
+            <a:r>
+              <a:rPr lang="en-US" dirty="0" smtClean="0"/>
+              <a:t>Device setup</a:t>
+            </a:r>
+          </a:p>
+          <a:p>
+            <a:pPr lvl="2"/>
+            <a:r>
+              <a:rPr lang="en-US" dirty="0" smtClean="0"/>
+              <a:t>Device: Samsung Galaxy S</a:t>
+            </a:r>
+          </a:p>
+          <a:p>
+            <a:pPr lvl="2"/>
+            <a:r>
+              <a:rPr lang="en-US" dirty="0" smtClean="0"/>
+              <a:t>O/S: Android 2.3 Gingerbread</a:t>
+            </a:r>
+          </a:p>
+          <a:p>
+            <a:pPr lvl="2"/>
+            <a:r>
+              <a:rPr lang="en-US" dirty="0" smtClean="0"/>
+              <a:t>Application: Netflix</a:t>
+            </a:r>
+          </a:p>
+          <a:p>
+            <a:pPr lvl="1"/>
+            <a:r>
+              <a:rPr lang="en-US" dirty="0" smtClean="0"/>
+              <a:t>Measurement </a:t>
+            </a:r>
+            <a:r>
+              <a:rPr lang="en-US" dirty="0" smtClean="0"/>
+              <a:t>method</a:t>
+            </a:r>
+          </a:p>
+          <a:p>
+            <a:pPr lvl="2"/>
+            <a:r>
+              <a:rPr lang="en-US" dirty="0" smtClean="0"/>
+              <a:t>Tool: top (</a:t>
+            </a:r>
+            <a:r>
+              <a:rPr lang="en-US" dirty="0"/>
+              <a:t>UNIX/Android </a:t>
+            </a:r>
+            <a:r>
+              <a:rPr lang="en-US" dirty="0" smtClean="0"/>
+              <a:t>command)</a:t>
+            </a:r>
+          </a:p>
+          <a:p>
+            <a:pPr lvl="2"/>
+            <a:r>
+              <a:rPr lang="en-US" dirty="0" smtClean="0"/>
+              <a:t>Target: first 30 minutes of CPU usage statistics of each movie</a:t>
+            </a:r>
+          </a:p>
+          <a:p>
+            <a:pPr lvl="3"/>
+            <a:r>
+              <a:rPr lang="en-US" dirty="0"/>
+              <a:t>i</a:t>
+            </a:r>
+            <a:r>
+              <a:rPr lang="en-US" dirty="0" smtClean="0"/>
+              <a:t>n 1-minute interval and 5-minute interval</a:t>
+            </a:r>
+          </a:p>
+          <a:p>
+            <a:pPr lvl="2"/>
+            <a:r>
+              <a:rPr lang="en-US" dirty="0" smtClean="0"/>
+              <a:t>Repeated 5 times for each movie</a:t>
+            </a:r>
+            <a:endParaRPr lang="en-US" dirty="0"/>
+          </a:p>
+        </p:txBody>
+      </p:sp>
+      <p:pic>
+        <p:nvPicPr>
+          <p:cNvPr id="1026" name="Picture 2"/>
+          <p:cNvPicPr>
+            <a:picLocks noChangeAspect="1" noChangeArrowheads="1"/>
+          </p:cNvPicPr>
+          <p:nvPr/>
+        </p:nvPicPr>
+        <p:blipFill>
+          <a:blip r:embed="rId2" cstate="print">
+            <a:extLst>
+              <a:ext uri="{28A0092B-C50C-407E-A947-70E740481C1C}">
+                <a14:useLocalDpi xmlns:a14="http://schemas.microsoft.com/office/drawing/2010/main" val="0"/>
+              </a:ext>
+            </a:extLst>
+          </a:blip>
+          <a:srcRect/>
+          <a:stretch>
+            <a:fillRect/>
+          </a:stretch>
+        </p:blipFill>
+        <p:spPr bwMode="auto">
+          <a:xfrm>
+            <a:off x="1368152" y="5079815"/>
+            <a:ext cx="6660232" cy="1473385"/>
+          </a:xfrm>
+          <a:prstGeom prst="rect">
+            <a:avLst/>
+          </a:prstGeom>
+          <a:noFill/>
+          <a:ln>
+            <a:noFill/>
+          </a:ln>
+          <a:effectLst/>
+          <a:extLst>
+            <a:ext uri="{909E8E84-426E-40DD-AFC4-6F175D3DCCD1}">
+              <a14:hiddenFill xmlns:a14="http://schemas.microsoft.com/office/drawing/2010/main">
+                <a:solidFill>
+                  <a:schemeClr val="accent1"/>
+                </a:solidFill>
+              </a14:hiddenFill>
+            </a:ext>
+            <a:ext uri="{91240B29-F687-4F45-9708-019B960494DF}">
+              <a14:hiddenLine xmlns:a14="http://schemas.microsoft.com/office/drawing/2010/main" w="9525">
+                <a:solidFill>
+                  <a:schemeClr val="tx1"/>
+                </a:solidFill>
+                <a:miter lim="800000"/>
+                <a:headEnd/>
+                <a:tailEnd/>
+              </a14:hiddenLine>
+            </a:ext>
+            <a:ext uri="{AF507438-7753-43E0-B8FC-AC1667EBCBE1}">
+              <a14:hiddenEffects xmlns:a14="http://schemas.microsoft.com/office/drawing/2010/main">
+                <a:effectLst>
+                  <a:outerShdw dist="35921" dir="2700000" algn="ctr" rotWithShape="0">
+                    <a:schemeClr val="bg2"/>
+                  </a:outerShdw>
+                </a:effectLst>
+              </a14:hiddenEffects>
+            </a:ext>
+          </a:extLst>
+        </p:spPr>
+      </p:pic>
+      <p:sp>
+        <p:nvSpPr>
+          <p:cNvPr id="4" name="TextBox 3"/>
+          <p:cNvSpPr txBox="1"/>
+          <p:nvPr/>
+        </p:nvSpPr>
+        <p:spPr>
+          <a:xfrm>
+            <a:off x="2667000" y="6453336"/>
+            <a:ext cx="3807453" cy="461665"/>
+          </a:xfrm>
+          <a:prstGeom prst="rect">
+            <a:avLst/>
+          </a:prstGeom>
+          <a:noFill/>
+        </p:spPr>
+        <p:txBody>
+          <a:bodyPr wrap="none" rtlCol="0">
+            <a:spAutoFit/>
+          </a:bodyPr>
+          <a:lstStyle/>
+          <a:p>
+            <a:r>
+              <a:rPr lang="en-US" sz="2400" baseline="30000" dirty="0" smtClean="0">
+                <a:latin typeface="Times New Roman" pitchFamily="18" charset="0"/>
+                <a:cs typeface="Times New Roman" pitchFamily="18" charset="0"/>
+              </a:rPr>
+              <a:t>10 </a:t>
+            </a:r>
+            <a:r>
+              <a:rPr lang="en-US" sz="2400" baseline="30000" dirty="0" smtClean="0">
+                <a:latin typeface="Times New Roman" pitchFamily="18" charset="0"/>
+                <a:cs typeface="Times New Roman" pitchFamily="18" charset="0"/>
+              </a:rPr>
+              <a:t>Movies selected from </a:t>
+            </a:r>
+            <a:r>
+              <a:rPr lang="en-US" sz="2400" i="1" baseline="30000" dirty="0" smtClean="0">
+                <a:latin typeface="Times New Roman" pitchFamily="18" charset="0"/>
+                <a:cs typeface="Times New Roman" pitchFamily="18" charset="0"/>
+              </a:rPr>
+              <a:t>Popular on Netflix</a:t>
+            </a:r>
+            <a:endParaRPr lang="en-US" sz="2400" i="1" dirty="0">
+              <a:latin typeface="Times New Roman" pitchFamily="18" charset="0"/>
+              <a:cs typeface="Times New Roman" pitchFamily="18" charset="0"/>
+            </a:endParaRPr>
+          </a:p>
+        </p:txBody>
+      </p:sp>
+    </p:spTree>
+    <p:extLst>
+      <p:ext uri="{BB962C8B-B14F-4D97-AF65-F5344CB8AC3E}">
+        <p14:creationId xmlns:p14="http://schemas.microsoft.com/office/powerpoint/2010/main" val="3463531976"/>
+      </p:ext>
+    </p:extLst>
+  </p:cSld>
+  <p:clrMapOvr>
+    <a:masterClrMapping/>
+  </p:clrMapOvr>
+  <p:timing>
+    <p:tnLst>
+      <p:par>
+        <p:cTn id="1" dur="indefinite" restart="never" nodeType="tmRoot"/>
+      </p:par>
+    </p:tnLst>
+  </p:timing>
+</p:sld>
+</file>
+
+<file path=ppt/slides/slide13.xml><?xml version="1.0" encoding="utf-8"?>
+<p:sld xmlns:a="http://schemas.openxmlformats.org/drawingml/2006/main" xmlns:r="http://schemas.openxmlformats.org/officeDocument/2006/relationships" xmlns:p="http://schemas.openxmlformats.org/presentationml/2006/main">
+  <p:cSld>
+    <p:spTree>
+      <p:nvGrpSpPr>
+        <p:cNvPr id="1" name=""/>
+        <p:cNvGrpSpPr/>
+        <p:nvPr/>
+      </p:nvGrpSpPr>
+      <p:grpSpPr>
+        <a:xfrm>
+          <a:off x="0" y="0"/>
+          <a:ext cx="0" cy="0"/>
+          <a:chOff x="0" y="0"/>
+          <a:chExt cx="0" cy="0"/>
+        </a:xfrm>
+      </p:grpSpPr>
+      <p:sp>
+        <p:nvSpPr>
+          <p:cNvPr id="2" name="제목 1"/>
+          <p:cNvSpPr>
+            <a:spLocks noGrp="1"/>
+          </p:cNvSpPr>
+          <p:nvPr>
+            <p:ph type="title"/>
+          </p:nvPr>
+        </p:nvSpPr>
+        <p:spPr/>
+        <p:txBody>
+          <a:bodyPr>
+            <a:normAutofit/>
+          </a:bodyPr>
+          <a:lstStyle/>
+          <a:p>
+            <a:r>
+              <a:rPr lang="en-US" altLang="ko-KR" dirty="0"/>
+              <a:t>Experimental Results - </a:t>
+            </a:r>
+            <a:r>
+              <a:rPr lang="en-US" altLang="ko-KR" dirty="0" smtClean="0"/>
+              <a:t>KNN</a:t>
+            </a:r>
+            <a:endParaRPr lang="ko-KR" altLang="en-US" dirty="0"/>
+          </a:p>
+        </p:txBody>
+      </p:sp>
+      <p:sp>
+        <p:nvSpPr>
+          <p:cNvPr id="3" name="내용 개체 틀 2"/>
+          <p:cNvSpPr>
+            <a:spLocks noGrp="1"/>
+          </p:cNvSpPr>
+          <p:nvPr>
+            <p:ph idx="1"/>
+          </p:nvPr>
+        </p:nvSpPr>
+        <p:spPr/>
+        <p:txBody>
+          <a:bodyPr/>
+          <a:lstStyle/>
+          <a:p>
+            <a:r>
+              <a:rPr lang="en-US" altLang="ko-KR" dirty="0"/>
+              <a:t>Experimental Result of </a:t>
+            </a:r>
+            <a:r>
+              <a:rPr lang="en-US" altLang="ko-KR" dirty="0" smtClean="0"/>
+              <a:t>KNN</a:t>
+            </a:r>
+          </a:p>
+          <a:p>
+            <a:pPr lvl="1"/>
+            <a:r>
+              <a:rPr lang="en-US" altLang="ko-KR" dirty="0" smtClean="0"/>
+              <a:t>Success </a:t>
+            </a:r>
+            <a:r>
+              <a:rPr lang="en-US" altLang="ko-KR" dirty="0"/>
+              <a:t>Rate of the prediction</a:t>
+            </a:r>
+          </a:p>
+          <a:p>
+            <a:pPr lvl="1"/>
+            <a:endParaRPr lang="ko-KR" altLang="en-US" dirty="0"/>
+          </a:p>
+        </p:txBody>
+      </p:sp>
+      <p:pic>
+        <p:nvPicPr>
+          <p:cNvPr id="1026" name="Picture 2"/>
+          <p:cNvPicPr>
+            <a:picLocks noChangeAspect="1" noChangeArrowheads="1"/>
+          </p:cNvPicPr>
+          <p:nvPr/>
+        </p:nvPicPr>
+        <p:blipFill>
+          <a:blip r:embed="rId2">
+            <a:extLst>
+              <a:ext uri="{28A0092B-C50C-407E-A947-70E740481C1C}">
+                <a14:useLocalDpi xmlns:a14="http://schemas.microsoft.com/office/drawing/2010/main" val="0"/>
+              </a:ext>
+            </a:extLst>
+          </a:blip>
+          <a:srcRect/>
+          <a:stretch>
+            <a:fillRect/>
+          </a:stretch>
+        </p:blipFill>
+        <p:spPr bwMode="auto">
+          <a:xfrm>
+            <a:off x="985466" y="2247900"/>
+            <a:ext cx="7172325" cy="3619500"/>
+          </a:xfrm>
+          <a:prstGeom prst="rect">
+            <a:avLst/>
+          </a:prstGeom>
+          <a:noFill/>
+          <a:ln>
+            <a:noFill/>
+          </a:ln>
+          <a:effectLst/>
+          <a:extLst>
+            <a:ext uri="{909E8E84-426E-40DD-AFC4-6F175D3DCCD1}">
+              <a14:hiddenFill xmlns:a14="http://schemas.microsoft.com/office/drawing/2010/main">
+                <a:solidFill>
+                  <a:schemeClr val="accent1"/>
+                </a:solidFill>
+              </a14:hiddenFill>
+            </a:ext>
+            <a:ext uri="{91240B29-F687-4F45-9708-019B960494DF}">
+              <a14:hiddenLine xmlns:a14="http://schemas.microsoft.com/office/drawing/2010/main" w="9525">
+                <a:solidFill>
+                  <a:schemeClr val="tx1"/>
+                </a:solidFill>
+                <a:miter lim="800000"/>
+                <a:headEnd/>
+                <a:tailEnd/>
+              </a14:hiddenLine>
+            </a:ext>
+            <a:ext uri="{AF507438-7753-43E0-B8FC-AC1667EBCBE1}">
+              <a14:hiddenEffects xmlns:a14="http://schemas.microsoft.com/office/drawing/2010/main">
+                <a:effectLst>
+                  <a:outerShdw dist="35921" dir="2700000" algn="ctr" rotWithShape="0">
+                    <a:schemeClr val="bg2"/>
+                  </a:outerShdw>
+                </a:effectLst>
+              </a14:hiddenEffects>
+            </a:ext>
+          </a:extLst>
+        </p:spPr>
+      </p:pic>
+    </p:spTree>
+    <p:extLst>
+      <p:ext uri="{BB962C8B-B14F-4D97-AF65-F5344CB8AC3E}">
+        <p14:creationId xmlns:p14="http://schemas.microsoft.com/office/powerpoint/2010/main" val="4196916281"/>
+      </p:ext>
+    </p:extLst>
+  </p:cSld>
+  <p:clrMapOvr>
+    <a:masterClrMapping/>
+  </p:clrMapOvr>
+</p:sld>
+</file>
+
+<file path=ppt/slides/slide14.xml><?xml version="1.0" encoding="utf-8"?>
+<p:sld xmlns:a="http://schemas.openxmlformats.org/drawingml/2006/main" xmlns:r="http://schemas.openxmlformats.org/officeDocument/2006/relationships" xmlns:p="http://schemas.openxmlformats.org/presentationml/2006/main">
+  <p:cSld>
+    <p:spTree>
+      <p:nvGrpSpPr>
+        <p:cNvPr id="1" name=""/>
+        <p:cNvGrpSpPr/>
+        <p:nvPr/>
+      </p:nvGrpSpPr>
+      <p:grpSpPr>
+        <a:xfrm>
+          <a:off x="0" y="0"/>
+          <a:ext cx="0" cy="0"/>
+          <a:chOff x="0" y="0"/>
+          <a:chExt cx="0" cy="0"/>
+        </a:xfrm>
+      </p:grpSpPr>
+      <p:sp>
+        <p:nvSpPr>
+          <p:cNvPr id="2" name="제목 1"/>
+          <p:cNvSpPr>
+            <a:spLocks noGrp="1"/>
+          </p:cNvSpPr>
+          <p:nvPr>
+            <p:ph type="title"/>
+          </p:nvPr>
+        </p:nvSpPr>
+        <p:spPr/>
+        <p:txBody>
+          <a:bodyPr>
+            <a:normAutofit/>
+          </a:bodyPr>
+          <a:lstStyle/>
+          <a:p>
+            <a:r>
+              <a:rPr lang="en-US" dirty="0" smtClean="0"/>
+              <a:t>Experimental Results - FSM</a:t>
+            </a:r>
+            <a:endParaRPr lang="en-US" dirty="0"/>
+          </a:p>
+        </p:txBody>
+      </p:sp>
+      <p:sp>
+        <p:nvSpPr>
+          <p:cNvPr id="3" name="내용 개체 틀 2"/>
+          <p:cNvSpPr>
+            <a:spLocks noGrp="1"/>
+          </p:cNvSpPr>
+          <p:nvPr>
+            <p:ph idx="1"/>
+          </p:nvPr>
+        </p:nvSpPr>
+        <p:spPr/>
+        <p:txBody>
+          <a:bodyPr>
+            <a:normAutofit/>
+          </a:bodyPr>
+          <a:lstStyle/>
+          <a:p>
+            <a:r>
+              <a:rPr lang="en-US" dirty="0" smtClean="0"/>
+              <a:t>Experimental Result of Fast Subsequence Matching Algorithm</a:t>
+            </a:r>
+          </a:p>
+          <a:p>
+            <a:pPr lvl="1"/>
+            <a:r>
+              <a:rPr lang="en-US" dirty="0" smtClean="0"/>
+              <a:t>Two metrics for the performance measure</a:t>
+            </a:r>
+          </a:p>
+          <a:p>
+            <a:pPr lvl="2"/>
+            <a:r>
+              <a:rPr lang="en-US" dirty="0" smtClean="0"/>
+              <a:t>Success Rate of the Prediction</a:t>
+            </a:r>
+          </a:p>
+          <a:p>
+            <a:pPr lvl="2"/>
+            <a:endParaRPr lang="en-US" dirty="0" smtClean="0"/>
+          </a:p>
+          <a:p>
+            <a:pPr lvl="2"/>
+            <a:endParaRPr lang="en-US" dirty="0" smtClean="0"/>
+          </a:p>
+          <a:p>
+            <a:pPr lvl="2"/>
+            <a:endParaRPr lang="en-US" dirty="0" smtClean="0"/>
+          </a:p>
+          <a:p>
+            <a:pPr lvl="2"/>
+            <a:r>
+              <a:rPr lang="en-US" dirty="0" smtClean="0"/>
+              <a:t>Confidence </a:t>
+            </a:r>
+            <a:r>
+              <a:rPr lang="en-US" dirty="0" smtClean="0"/>
+              <a:t>of the prediction</a:t>
+            </a:r>
+          </a:p>
+          <a:p>
+            <a:pPr lvl="2"/>
+            <a:endParaRPr lang="en-US" dirty="0"/>
+          </a:p>
+        </p:txBody>
+      </p:sp>
+      <p:pic>
+        <p:nvPicPr>
+          <p:cNvPr id="1027" name="Picture 3"/>
+          <p:cNvPicPr>
+            <a:picLocks noChangeAspect="1" noChangeArrowheads="1"/>
+          </p:cNvPicPr>
+          <p:nvPr/>
+        </p:nvPicPr>
+        <p:blipFill>
+          <a:blip r:embed="rId2" cstate="print">
+            <a:extLst>
+              <a:ext uri="{28A0092B-C50C-407E-A947-70E740481C1C}">
+                <a14:useLocalDpi xmlns:a14="http://schemas.microsoft.com/office/drawing/2010/main" val="0"/>
+              </a:ext>
+            </a:extLst>
+          </a:blip>
+          <a:srcRect/>
+          <a:stretch>
+            <a:fillRect/>
+          </a:stretch>
+        </p:blipFill>
+        <p:spPr bwMode="auto">
+          <a:xfrm>
+            <a:off x="1763688" y="3707672"/>
+            <a:ext cx="5472608" cy="940528"/>
+          </a:xfrm>
+          <a:prstGeom prst="rect">
+            <a:avLst/>
+          </a:prstGeom>
+          <a:noFill/>
+          <a:ln>
+            <a:noFill/>
+          </a:ln>
+          <a:effectLst/>
+          <a:extLst>
+            <a:ext uri="{909E8E84-426E-40DD-AFC4-6F175D3DCCD1}">
+              <a14:hiddenFill xmlns:a14="http://schemas.microsoft.com/office/drawing/2010/main">
+                <a:solidFill>
+                  <a:schemeClr val="accent1"/>
+                </a:solidFill>
+              </a14:hiddenFill>
+            </a:ext>
+            <a:ext uri="{91240B29-F687-4F45-9708-019B960494DF}">
+              <a14:hiddenLine xmlns:a14="http://schemas.microsoft.com/office/drawing/2010/main" w="9525">
+                <a:solidFill>
+                  <a:schemeClr val="tx1"/>
+                </a:solidFill>
+                <a:miter lim="800000"/>
+                <a:headEnd/>
+                <a:tailEnd/>
+              </a14:hiddenLine>
+            </a:ext>
+            <a:ext uri="{AF507438-7753-43E0-B8FC-AC1667EBCBE1}">
+              <a14:hiddenEffects xmlns:a14="http://schemas.microsoft.com/office/drawing/2010/main">
+                <a:effectLst>
+                  <a:outerShdw dist="35921" dir="2700000" algn="ctr" rotWithShape="0">
+                    <a:schemeClr val="bg2"/>
+                  </a:outerShdw>
+                </a:effectLst>
+              </a14:hiddenEffects>
+            </a:ext>
+          </a:extLst>
+        </p:spPr>
+      </p:pic>
+      <p:pic>
+        <p:nvPicPr>
+          <p:cNvPr id="1028" name="Picture 4"/>
+          <p:cNvPicPr>
+            <a:picLocks noChangeAspect="1" noChangeArrowheads="1"/>
+          </p:cNvPicPr>
+          <p:nvPr/>
+        </p:nvPicPr>
+        <p:blipFill>
+          <a:blip r:embed="rId3" cstate="print">
+            <a:extLst>
+              <a:ext uri="{28A0092B-C50C-407E-A947-70E740481C1C}">
+                <a14:useLocalDpi xmlns:a14="http://schemas.microsoft.com/office/drawing/2010/main" val="0"/>
+              </a:ext>
+            </a:extLst>
+          </a:blip>
+          <a:srcRect/>
+          <a:stretch>
+            <a:fillRect/>
+          </a:stretch>
+        </p:blipFill>
+        <p:spPr bwMode="auto">
+          <a:xfrm>
+            <a:off x="1751891" y="5410200"/>
+            <a:ext cx="5700429" cy="945491"/>
+          </a:xfrm>
+          <a:prstGeom prst="rect">
+            <a:avLst/>
+          </a:prstGeom>
+          <a:noFill/>
+          <a:ln>
+            <a:noFill/>
+          </a:ln>
+          <a:effectLst/>
+          <a:extLst>
+            <a:ext uri="{909E8E84-426E-40DD-AFC4-6F175D3DCCD1}">
+              <a14:hiddenFill xmlns:a14="http://schemas.microsoft.com/office/drawing/2010/main">
+                <a:solidFill>
+                  <a:schemeClr val="accent1"/>
+                </a:solidFill>
+              </a14:hiddenFill>
+            </a:ext>
+            <a:ext uri="{91240B29-F687-4F45-9708-019B960494DF}">
+              <a14:hiddenLine xmlns:a14="http://schemas.microsoft.com/office/drawing/2010/main" w="9525">
+                <a:solidFill>
+                  <a:schemeClr val="tx1"/>
+                </a:solidFill>
+                <a:miter lim="800000"/>
+                <a:headEnd/>
+                <a:tailEnd/>
+              </a14:hiddenLine>
+            </a:ext>
+            <a:ext uri="{AF507438-7753-43E0-B8FC-AC1667EBCBE1}">
+              <a14:hiddenEffects xmlns:a14="http://schemas.microsoft.com/office/drawing/2010/main">
+                <a:effectLst>
+                  <a:outerShdw dist="35921" dir="2700000" algn="ctr" rotWithShape="0">
+                    <a:schemeClr val="bg2"/>
+                  </a:outerShdw>
+                </a:effectLst>
+              </a14:hiddenEffects>
+            </a:ext>
+          </a:extLst>
+        </p:spPr>
+      </p:pic>
+    </p:spTree>
+    <p:extLst>
+      <p:ext uri="{BB962C8B-B14F-4D97-AF65-F5344CB8AC3E}">
+        <p14:creationId xmlns:p14="http://schemas.microsoft.com/office/powerpoint/2010/main" val="2284407790"/>
+      </p:ext>
+    </p:extLst>
+  </p:cSld>
+  <p:clrMapOvr>
+    <a:masterClrMapping/>
+  </p:clrMapOvr>
+  <p:timing>
+    <p:tnLst>
+      <p:par>
+        <p:cTn id="1" dur="indefinite" restart="never" nodeType="tmRoot"/>
+      </p:par>
+    </p:tnLst>
+  </p:timing>
+</p:sld>
+</file>
+
+<file path=ppt/slides/slide15.xml><?xml version="1.0" encoding="utf-8"?>
+<p:sld xmlns:a="http://schemas.openxmlformats.org/drawingml/2006/main" xmlns:r="http://schemas.openxmlformats.org/officeDocument/2006/relationships" xmlns:p="http://schemas.openxmlformats.org/presentationml/2006/main">
+  <p:cSld>
+    <p:spTree>
+      <p:nvGrpSpPr>
+        <p:cNvPr id="1" name=""/>
+        <p:cNvGrpSpPr/>
+        <p:nvPr/>
+      </p:nvGrpSpPr>
+      <p:grpSpPr>
+        <a:xfrm>
+          <a:off x="0" y="0"/>
+          <a:ext cx="0" cy="0"/>
+          <a:chOff x="0" y="0"/>
+          <a:chExt cx="0" cy="0"/>
+        </a:xfrm>
+      </p:grpSpPr>
+      <p:sp>
+        <p:nvSpPr>
+          <p:cNvPr id="2" name="제목 1"/>
+          <p:cNvSpPr>
+            <a:spLocks noGrp="1"/>
+          </p:cNvSpPr>
+          <p:nvPr>
+            <p:ph type="title"/>
+          </p:nvPr>
+        </p:nvSpPr>
+        <p:spPr/>
+        <p:txBody>
+          <a:bodyPr>
+            <a:normAutofit/>
+          </a:bodyPr>
+          <a:lstStyle/>
+          <a:p>
+            <a:r>
+              <a:rPr lang="en-US" dirty="0"/>
+              <a:t>Experimental Results - FSM</a:t>
+            </a:r>
+          </a:p>
+        </p:txBody>
+      </p:sp>
+      <p:sp>
+        <p:nvSpPr>
+          <p:cNvPr id="3" name="내용 개체 틀 2"/>
+          <p:cNvSpPr>
+            <a:spLocks noGrp="1"/>
+          </p:cNvSpPr>
+          <p:nvPr>
+            <p:ph idx="1"/>
+          </p:nvPr>
+        </p:nvSpPr>
+        <p:spPr/>
+        <p:txBody>
+          <a:bodyPr>
+            <a:normAutofit/>
+          </a:bodyPr>
+          <a:lstStyle/>
+          <a:p>
+            <a:pPr lvl="1"/>
+            <a:r>
+              <a:rPr lang="en-US" dirty="0" smtClean="0"/>
+              <a:t>Success Rate of the prediction</a:t>
+            </a:r>
+          </a:p>
+          <a:p>
+            <a:pPr lvl="1"/>
+            <a:endParaRPr lang="en-US" dirty="0"/>
+          </a:p>
+          <a:p>
+            <a:pPr lvl="1"/>
+            <a:endParaRPr lang="en-US" dirty="0" smtClean="0"/>
+          </a:p>
+          <a:p>
+            <a:pPr lvl="1"/>
+            <a:endParaRPr lang="en-US" dirty="0" smtClean="0"/>
+          </a:p>
+          <a:p>
+            <a:pPr marL="457200" lvl="1" indent="0">
+              <a:buNone/>
+            </a:pPr>
+            <a:endParaRPr lang="en-US" dirty="0"/>
+          </a:p>
+          <a:p>
+            <a:pPr marL="457200" lvl="1" indent="0">
+              <a:buNone/>
+            </a:pPr>
+            <a:endParaRPr lang="en-US" dirty="0" smtClean="0"/>
+          </a:p>
+          <a:p>
+            <a:pPr lvl="1"/>
+            <a:r>
+              <a:rPr lang="en-US" dirty="0" smtClean="0"/>
+              <a:t>Confidence of the prediction</a:t>
+            </a:r>
+            <a:endParaRPr lang="en-US" dirty="0"/>
+          </a:p>
+        </p:txBody>
+      </p:sp>
+      <p:pic>
+        <p:nvPicPr>
+          <p:cNvPr id="2050" name="Picture 2"/>
+          <p:cNvPicPr>
+            <a:picLocks noChangeAspect="1" noChangeArrowheads="1"/>
+          </p:cNvPicPr>
+          <p:nvPr/>
+        </p:nvPicPr>
+        <p:blipFill>
+          <a:blip r:embed="rId2" cstate="print">
+            <a:extLst>
+              <a:ext uri="{28A0092B-C50C-407E-A947-70E740481C1C}">
+                <a14:useLocalDpi xmlns:a14="http://schemas.microsoft.com/office/drawing/2010/main" val="0"/>
+              </a:ext>
+            </a:extLst>
+          </a:blip>
+          <a:srcRect/>
+          <a:stretch>
+            <a:fillRect/>
+          </a:stretch>
+        </p:blipFill>
+        <p:spPr bwMode="auto">
+          <a:xfrm>
+            <a:off x="1187624" y="2012346"/>
+            <a:ext cx="7164288" cy="2178654"/>
+          </a:xfrm>
+          <a:prstGeom prst="rect">
+            <a:avLst/>
+          </a:prstGeom>
+          <a:noFill/>
+          <a:ln>
+            <a:noFill/>
+          </a:ln>
+          <a:effectLst/>
+          <a:extLst>
+            <a:ext uri="{909E8E84-426E-40DD-AFC4-6F175D3DCCD1}">
+              <a14:hiddenFill xmlns:a14="http://schemas.microsoft.com/office/drawing/2010/main">
+                <a:solidFill>
+                  <a:schemeClr val="accent1"/>
+                </a:solidFill>
+              </a14:hiddenFill>
+            </a:ext>
+            <a:ext uri="{91240B29-F687-4F45-9708-019B960494DF}">
+              <a14:hiddenLine xmlns:a14="http://schemas.microsoft.com/office/drawing/2010/main" w="9525">
+                <a:solidFill>
+                  <a:schemeClr val="tx1"/>
+                </a:solidFill>
+                <a:miter lim="800000"/>
+                <a:headEnd/>
+                <a:tailEnd/>
+              </a14:hiddenLine>
+            </a:ext>
+            <a:ext uri="{AF507438-7753-43E0-B8FC-AC1667EBCBE1}">
+              <a14:hiddenEffects xmlns:a14="http://schemas.microsoft.com/office/drawing/2010/main">
+                <a:effectLst>
+                  <a:outerShdw dist="35921" dir="2700000" algn="ctr" rotWithShape="0">
+                    <a:schemeClr val="bg2"/>
+                  </a:outerShdw>
+                </a:effectLst>
+              </a14:hiddenEffects>
+            </a:ext>
+          </a:extLst>
+        </p:spPr>
+      </p:pic>
+      <p:pic>
+        <p:nvPicPr>
+          <p:cNvPr id="2051" name="Picture 3"/>
+          <p:cNvPicPr>
+            <a:picLocks noChangeAspect="1" noChangeArrowheads="1"/>
+          </p:cNvPicPr>
+          <p:nvPr/>
+        </p:nvPicPr>
+        <p:blipFill>
+          <a:blip r:embed="rId3" cstate="print">
+            <a:extLst>
+              <a:ext uri="{28A0092B-C50C-407E-A947-70E740481C1C}">
+                <a14:useLocalDpi xmlns:a14="http://schemas.microsoft.com/office/drawing/2010/main" val="0"/>
+              </a:ext>
+            </a:extLst>
+          </a:blip>
+          <a:srcRect/>
+          <a:stretch>
+            <a:fillRect/>
+          </a:stretch>
+        </p:blipFill>
+        <p:spPr bwMode="auto">
+          <a:xfrm>
+            <a:off x="2051720" y="5181600"/>
+            <a:ext cx="5167808" cy="896673"/>
+          </a:xfrm>
+          <a:prstGeom prst="rect">
+            <a:avLst/>
+          </a:prstGeom>
+          <a:noFill/>
+          <a:ln>
+            <a:noFill/>
+          </a:ln>
+          <a:effectLst/>
+          <a:extLst>
+            <a:ext uri="{909E8E84-426E-40DD-AFC4-6F175D3DCCD1}">
+              <a14:hiddenFill xmlns:a14="http://schemas.microsoft.com/office/drawing/2010/main">
+                <a:solidFill>
+                  <a:schemeClr val="accent1"/>
+                </a:solidFill>
+              </a14:hiddenFill>
+            </a:ext>
+            <a:ext uri="{91240B29-F687-4F45-9708-019B960494DF}">
+              <a14:hiddenLine xmlns:a14="http://schemas.microsoft.com/office/drawing/2010/main" w="9525">
+                <a:solidFill>
+                  <a:schemeClr val="tx1"/>
+                </a:solidFill>
+                <a:miter lim="800000"/>
+                <a:headEnd/>
+                <a:tailEnd/>
+              </a14:hiddenLine>
+            </a:ext>
+            <a:ext uri="{AF507438-7753-43E0-B8FC-AC1667EBCBE1}">
+              <a14:hiddenEffects xmlns:a14="http://schemas.microsoft.com/office/drawing/2010/main">
+                <a:effectLst>
+                  <a:outerShdw dist="35921" dir="2700000" algn="ctr" rotWithShape="0">
+                    <a:schemeClr val="bg2"/>
+                  </a:outerShdw>
+                </a:effectLst>
+              </a14:hiddenEffects>
+            </a:ext>
+          </a:extLst>
+        </p:spPr>
+      </p:pic>
+      <p:sp>
+        <p:nvSpPr>
+          <p:cNvPr id="6" name="TextBox 5"/>
+          <p:cNvSpPr txBox="1"/>
+          <p:nvPr/>
+        </p:nvSpPr>
+        <p:spPr>
+          <a:xfrm>
+            <a:off x="3557496" y="4114800"/>
+            <a:ext cx="2767104" cy="461665"/>
+          </a:xfrm>
+          <a:prstGeom prst="rect">
+            <a:avLst/>
+          </a:prstGeom>
+          <a:noFill/>
+        </p:spPr>
+        <p:txBody>
+          <a:bodyPr wrap="none" rtlCol="0">
+            <a:spAutoFit/>
+          </a:bodyPr>
+          <a:lstStyle/>
+          <a:p>
+            <a:r>
+              <a:rPr lang="en-US" sz="2400" baseline="30000" dirty="0" smtClean="0">
+                <a:latin typeface="Times New Roman" pitchFamily="18" charset="0"/>
+                <a:cs typeface="Times New Roman" pitchFamily="18" charset="0"/>
+              </a:rPr>
+              <a:t>Success </a:t>
+            </a:r>
+            <a:r>
+              <a:rPr lang="en-US" sz="2400" baseline="30000" dirty="0" smtClean="0">
+                <a:latin typeface="Times New Roman" pitchFamily="18" charset="0"/>
+                <a:cs typeface="Times New Roman" pitchFamily="18" charset="0"/>
+              </a:rPr>
+              <a:t>Rate of the Predictions</a:t>
+            </a:r>
+            <a:endParaRPr lang="en-US" sz="2400" i="1" dirty="0">
+              <a:latin typeface="Times New Roman" pitchFamily="18" charset="0"/>
+              <a:cs typeface="Times New Roman" pitchFamily="18" charset="0"/>
+            </a:endParaRPr>
+          </a:p>
+        </p:txBody>
+      </p:sp>
+      <p:sp>
+        <p:nvSpPr>
+          <p:cNvPr id="8" name="TextBox 7"/>
+          <p:cNvSpPr txBox="1"/>
+          <p:nvPr/>
+        </p:nvSpPr>
+        <p:spPr>
+          <a:xfrm>
+            <a:off x="3307942" y="6019800"/>
+            <a:ext cx="2635658" cy="461665"/>
+          </a:xfrm>
+          <a:prstGeom prst="rect">
+            <a:avLst/>
+          </a:prstGeom>
+          <a:noFill/>
+        </p:spPr>
+        <p:txBody>
+          <a:bodyPr wrap="none" rtlCol="0">
+            <a:spAutoFit/>
+          </a:bodyPr>
+          <a:lstStyle/>
+          <a:p>
+            <a:r>
+              <a:rPr lang="en-US" sz="2400" baseline="30000" dirty="0" smtClean="0">
+                <a:latin typeface="Times New Roman" pitchFamily="18" charset="0"/>
+                <a:cs typeface="Times New Roman" pitchFamily="18" charset="0"/>
+              </a:rPr>
+              <a:t>Confidence </a:t>
+            </a:r>
+            <a:r>
+              <a:rPr lang="en-US" sz="2400" baseline="30000" dirty="0" smtClean="0">
+                <a:latin typeface="Times New Roman" pitchFamily="18" charset="0"/>
+                <a:cs typeface="Times New Roman" pitchFamily="18" charset="0"/>
+              </a:rPr>
+              <a:t>of the Predictions</a:t>
+            </a:r>
+            <a:endParaRPr lang="en-US" sz="2400" i="1" dirty="0">
+              <a:latin typeface="Times New Roman" pitchFamily="18" charset="0"/>
+              <a:cs typeface="Times New Roman" pitchFamily="18" charset="0"/>
+            </a:endParaRPr>
+          </a:p>
+        </p:txBody>
+      </p:sp>
+    </p:spTree>
+    <p:extLst>
+      <p:ext uri="{BB962C8B-B14F-4D97-AF65-F5344CB8AC3E}">
+        <p14:creationId xmlns:p14="http://schemas.microsoft.com/office/powerpoint/2010/main" val="451863489"/>
+      </p:ext>
+    </p:extLst>
+  </p:cSld>
+  <p:clrMapOvr>
+    <a:masterClrMapping/>
+  </p:clrMapOvr>
+  <p:timing>
+    <p:tnLst>
+      <p:par>
+        <p:cTn id="1" dur="indefinite" restart="never" nodeType="tmRoot"/>
+      </p:par>
+    </p:tnLst>
+  </p:timing>
+</p:sld>
+</file>
+
+<file path=ppt/slides/slide16.xml><?xml version="1.0" encoding="utf-8"?>
+<p:sld xmlns:a="http://schemas.openxmlformats.org/drawingml/2006/main" xmlns:r="http://schemas.openxmlformats.org/officeDocument/2006/relationships" xmlns:p="http://schemas.openxmlformats.org/presentationml/2006/main">
+  <p:cSld>
+    <p:spTree>
+      <p:nvGrpSpPr>
+        <p:cNvPr id="1" name=""/>
+        <p:cNvGrpSpPr/>
+        <p:nvPr/>
+      </p:nvGrpSpPr>
+      <p:grpSpPr>
+        <a:xfrm>
+          <a:off x="0" y="0"/>
+          <a:ext cx="0" cy="0"/>
+          <a:chOff x="0" y="0"/>
+          <a:chExt cx="0" cy="0"/>
+        </a:xfrm>
+      </p:grpSpPr>
+      <p:sp>
+        <p:nvSpPr>
+          <p:cNvPr id="2" name="제목 1"/>
+          <p:cNvSpPr>
+            <a:spLocks noGrp="1"/>
+          </p:cNvSpPr>
+          <p:nvPr>
+            <p:ph type="title"/>
+          </p:nvPr>
+        </p:nvSpPr>
+        <p:spPr/>
+        <p:txBody>
+          <a:bodyPr>
+            <a:normAutofit/>
+          </a:bodyPr>
+          <a:lstStyle/>
+          <a:p>
+            <a:r>
+              <a:rPr lang="en-US" altLang="ko-KR" dirty="0" smtClean="0"/>
+              <a:t>Integrated algorithm</a:t>
+            </a:r>
+            <a:endParaRPr lang="ko-KR" altLang="en-US" dirty="0"/>
+          </a:p>
+        </p:txBody>
+      </p:sp>
+      <p:sp>
+        <p:nvSpPr>
+          <p:cNvPr id="3" name="내용 개체 틀 2"/>
+          <p:cNvSpPr>
+            <a:spLocks noGrp="1"/>
+          </p:cNvSpPr>
+          <p:nvPr>
+            <p:ph idx="1"/>
+          </p:nvPr>
+        </p:nvSpPr>
+        <p:spPr>
+          <a:xfrm>
+            <a:off x="457200" y="1124744"/>
+            <a:ext cx="8229600" cy="5400600"/>
+          </a:xfrm>
+        </p:spPr>
+        <p:txBody>
+          <a:bodyPr>
+            <a:normAutofit lnSpcReduction="10000"/>
+          </a:bodyPr>
+          <a:lstStyle/>
+          <a:p>
+            <a:r>
+              <a:rPr lang="en-US" altLang="ko-KR" dirty="0" smtClean="0"/>
+              <a:t>Fast Subsequence Matching + KNN</a:t>
+            </a:r>
+          </a:p>
+          <a:p>
+            <a:endParaRPr lang="en-US" altLang="ko-KR" dirty="0" smtClean="0"/>
+          </a:p>
+          <a:p>
+            <a:endParaRPr lang="en-US" altLang="ko-KR" dirty="0" smtClean="0"/>
+          </a:p>
+          <a:p>
+            <a:endParaRPr lang="en-US" altLang="ko-KR" dirty="0" smtClean="0"/>
+          </a:p>
+          <a:p>
+            <a:endParaRPr lang="en-US" altLang="ko-KR" dirty="0" smtClean="0"/>
+          </a:p>
+          <a:p>
+            <a:endParaRPr lang="en-US" altLang="ko-KR" dirty="0" smtClean="0"/>
+          </a:p>
+          <a:p>
+            <a:endParaRPr lang="en-US" altLang="ko-KR" dirty="0" smtClean="0"/>
+          </a:p>
+          <a:p>
+            <a:pPr marL="0" indent="0">
+              <a:buNone/>
+            </a:pPr>
+            <a:endParaRPr lang="en-US" altLang="ko-KR" dirty="0" smtClean="0"/>
+          </a:p>
+          <a:p>
+            <a:pPr lvl="1"/>
+            <a:r>
+              <a:rPr lang="en-US" altLang="ko-KR" dirty="0" smtClean="0"/>
+              <a:t>Parameter Configuration</a:t>
+            </a:r>
+          </a:p>
+          <a:p>
+            <a:pPr lvl="2"/>
+            <a:r>
+              <a:rPr lang="en-US" altLang="ko-KR" dirty="0" smtClean="0"/>
+              <a:t> </a:t>
+            </a:r>
+          </a:p>
+        </p:txBody>
+      </p:sp>
+      <p:pic>
+        <p:nvPicPr>
+          <p:cNvPr id="6" name="Picture 2"/>
+          <p:cNvPicPr>
+            <a:picLocks noChangeAspect="1" noChangeArrowheads="1"/>
+          </p:cNvPicPr>
+          <p:nvPr/>
+        </p:nvPicPr>
+        <p:blipFill>
+          <a:blip r:embed="rId2" cstate="print">
+            <a:extLst>
+              <a:ext uri="{28A0092B-C50C-407E-A947-70E740481C1C}">
+                <a14:useLocalDpi xmlns:a14="http://schemas.microsoft.com/office/drawing/2010/main" val="0"/>
+              </a:ext>
+            </a:extLst>
+          </a:blip>
+          <a:srcRect/>
+          <a:stretch>
+            <a:fillRect/>
+          </a:stretch>
+        </p:blipFill>
+        <p:spPr bwMode="auto">
+          <a:xfrm>
+            <a:off x="1715641" y="5877791"/>
+            <a:ext cx="1776239" cy="360887"/>
+          </a:xfrm>
+          <a:prstGeom prst="rect">
+            <a:avLst/>
+          </a:prstGeom>
+          <a:noFill/>
+          <a:ln>
+            <a:noFill/>
+          </a:ln>
+          <a:effectLst/>
+          <a:extLst>
+            <a:ext uri="{909E8E84-426E-40DD-AFC4-6F175D3DCCD1}">
+              <a14:hiddenFill xmlns:a14="http://schemas.microsoft.com/office/drawing/2010/main">
+                <a:solidFill>
+                  <a:schemeClr val="accent1"/>
+                </a:solidFill>
+              </a14:hiddenFill>
+            </a:ext>
+            <a:ext uri="{91240B29-F687-4F45-9708-019B960494DF}">
+              <a14:hiddenLine xmlns:a14="http://schemas.microsoft.com/office/drawing/2010/main" w="9525">
+                <a:solidFill>
+                  <a:schemeClr val="tx1"/>
+                </a:solidFill>
+                <a:miter lim="800000"/>
+                <a:headEnd/>
+                <a:tailEnd/>
+              </a14:hiddenLine>
+            </a:ext>
+            <a:ext uri="{AF507438-7753-43E0-B8FC-AC1667EBCBE1}">
+              <a14:hiddenEffects xmlns:a14="http://schemas.microsoft.com/office/drawing/2010/main">
+                <a:effectLst>
+                  <a:outerShdw dist="35921" dir="2700000" algn="ctr" rotWithShape="0">
+                    <a:schemeClr val="bg2"/>
+                  </a:outerShdw>
+                </a:effectLst>
+              </a14:hiddenEffects>
+            </a:ext>
+          </a:extLst>
+        </p:spPr>
+      </p:pic>
+      <p:pic>
+        <p:nvPicPr>
+          <p:cNvPr id="4100" name="Picture 4"/>
+          <p:cNvPicPr>
+            <a:picLocks noChangeAspect="1" noChangeArrowheads="1"/>
+          </p:cNvPicPr>
+          <p:nvPr/>
+        </p:nvPicPr>
+        <p:blipFill>
+          <a:blip r:embed="rId3" cstate="print"/>
+          <a:srcRect/>
+          <a:stretch>
+            <a:fillRect/>
+          </a:stretch>
+        </p:blipFill>
+        <p:spPr bwMode="auto">
+          <a:xfrm>
+            <a:off x="1475656" y="1744191"/>
+            <a:ext cx="3438525" cy="3629025"/>
+          </a:xfrm>
+          <a:prstGeom prst="rect">
+            <a:avLst/>
+          </a:prstGeom>
+          <a:noFill/>
+          <a:ln w="9525">
+            <a:noFill/>
+            <a:miter lim="800000"/>
+            <a:headEnd/>
+            <a:tailEnd/>
+          </a:ln>
+        </p:spPr>
+      </p:pic>
+      <p:sp>
+        <p:nvSpPr>
+          <p:cNvPr id="8" name="직사각형 7"/>
+          <p:cNvSpPr/>
+          <p:nvPr/>
+        </p:nvSpPr>
+        <p:spPr>
+          <a:xfrm>
+            <a:off x="2699792" y="3645024"/>
+            <a:ext cx="576064" cy="216024"/>
+          </a:xfrm>
+          <a:prstGeom prst="rect">
+            <a:avLst/>
+          </a:prstGeom>
+          <a:noFill/>
+          <a:ln>
+            <a:solidFill>
+              <a:srgbClr val="FF0000"/>
+            </a:solidFill>
+          </a:ln>
+        </p:spPr>
+        <p:style>
+          <a:lnRef idx="2">
+            <a:schemeClr val="accent1">
+              <a:shade val="50000"/>
+            </a:schemeClr>
+          </a:lnRef>
+          <a:fillRef idx="1">
+            <a:schemeClr val="accent1"/>
+          </a:fillRef>
+          <a:effectRef idx="0">
+            <a:schemeClr val="accent1"/>
+          </a:effectRef>
+          <a:fontRef idx="minor">
+            <a:schemeClr val="lt1"/>
+          </a:fontRef>
+        </p:style>
+        <p:txBody>
+          <a:bodyPr rtlCol="0" anchor="ctr"/>
+          <a:lstStyle/>
+          <a:p>
+            <a:pPr algn="ctr"/>
+            <a:endParaRPr lang="ko-KR" altLang="en-US">
+              <a:latin typeface="Times New Roman" pitchFamily="18" charset="0"/>
+              <a:cs typeface="Times New Roman" pitchFamily="18" charset="0"/>
+            </a:endParaRPr>
+          </a:p>
+        </p:txBody>
+      </p:sp>
+    </p:spTree>
+    <p:extLst>
+      <p:ext uri="{BB962C8B-B14F-4D97-AF65-F5344CB8AC3E}">
+        <p14:creationId xmlns:p14="http://schemas.microsoft.com/office/powerpoint/2010/main" val="3220123666"/>
+      </p:ext>
+    </p:extLst>
+  </p:cSld>
+  <p:clrMapOvr>
+    <a:masterClrMapping/>
+  </p:clrMapOvr>
+  <p:timing>
+    <p:tnLst>
+      <p:par>
+        <p:cTn id="1" dur="indefinite" restart="never" nodeType="tmRoot">
+          <p:childTnLst>
+            <p:seq concurrent="1" nextAc="seek">
+              <p:cTn id="2" dur="indefinite" nodeType="mainSeq">
+                <p:childTnLst>
+                  <p:par>
+                    <p:cTn id="3" fill="hold">
+                      <p:stCondLst>
+                        <p:cond delay="indefinite"/>
+                      </p:stCondLst>
+                      <p:childTnLst>
+                        <p:par>
+                          <p:cTn id="4" fill="hold">
+                            <p:stCondLst>
+                              <p:cond delay="0"/>
+                            </p:stCondLst>
+                            <p:childTnLst>
+                              <p:par>
+                                <p:cTn id="5" presetID="22" presetClass="entr" presetSubtype="4" fill="hold" grpId="0" nodeType="clickEffect">
+                                  <p:stCondLst>
+                                    <p:cond delay="0"/>
+                                  </p:stCondLst>
+                                  <p:childTnLst>
+                                    <p:set>
+                                      <p:cBhvr>
+                                        <p:cTn id="6" dur="1" fill="hold">
+                                          <p:stCondLst>
+                                            <p:cond delay="0"/>
+                                          </p:stCondLst>
+                                        </p:cTn>
+                                        <p:tgtEl>
+                                          <p:spTgt spid="8"/>
+                                        </p:tgtEl>
+                                        <p:attrNameLst>
+                                          <p:attrName>style.visibility</p:attrName>
+                                        </p:attrNameLst>
+                                      </p:cBhvr>
+                                      <p:to>
+                                        <p:strVal val="visible"/>
+                                      </p:to>
+                                    </p:set>
+                                    <p:animEffect transition="in" filter="wipe(down)">
+                                      <p:cBhvr>
+                                        <p:cTn id="7" dur="500"/>
+                                        <p:tgtEl>
+                                          <p:spTgt spid="8"/>
+                                        </p:tgtEl>
+                                      </p:cBhvr>
+                                    </p:animEffect>
+                                  </p:childTnLst>
+                                </p:cTn>
+                              </p:par>
+                            </p:childTnLst>
+                          </p:cTn>
+                        </p:par>
+                      </p:childTnLst>
+                    </p:cTn>
+                  </p:par>
+                </p:childTnLst>
+              </p:cTn>
+              <p:prevCondLst>
+                <p:cond evt="onPrev" delay="0">
+                  <p:tgtEl>
+                    <p:sldTgt/>
+                  </p:tgtEl>
+                </p:cond>
+              </p:prevCondLst>
+              <p:nextCondLst>
+                <p:cond evt="onNext" delay="0">
+                  <p:tgtEl>
+                    <p:sldTgt/>
+                  </p:tgtEl>
+                </p:cond>
+              </p:nextCondLst>
+            </p:seq>
+          </p:childTnLst>
+        </p:cTn>
+      </p:par>
+    </p:tnLst>
+    <p:bldLst>
+      <p:bldP spid="8" grpId="0" animBg="1"/>
+    </p:bldLst>
+  </p:timing>
+</p:sld>
+</file>
+
+<file path=ppt/slides/slide17.xml><?xml version="1.0" encoding="utf-8"?>
+<p:sld xmlns:a="http://schemas.openxmlformats.org/drawingml/2006/main" xmlns:r="http://schemas.openxmlformats.org/officeDocument/2006/relationships" xmlns:p="http://schemas.openxmlformats.org/presentationml/2006/main">
+  <p:cSld>
+    <p:spTree>
+      <p:nvGrpSpPr>
+        <p:cNvPr id="1" name=""/>
+        <p:cNvGrpSpPr/>
+        <p:nvPr/>
+      </p:nvGrpSpPr>
+      <p:grpSpPr>
+        <a:xfrm>
+          <a:off x="0" y="0"/>
+          <a:ext cx="0" cy="0"/>
+          <a:chOff x="0" y="0"/>
+          <a:chExt cx="0" cy="0"/>
+        </a:xfrm>
+      </p:grpSpPr>
+      <p:sp>
+        <p:nvSpPr>
+          <p:cNvPr id="2" name="제목 1"/>
+          <p:cNvSpPr>
+            <a:spLocks noGrp="1"/>
+          </p:cNvSpPr>
+          <p:nvPr>
+            <p:ph type="title"/>
+          </p:nvPr>
+        </p:nvSpPr>
+        <p:spPr/>
+        <p:txBody>
+          <a:bodyPr>
+            <a:normAutofit/>
+          </a:bodyPr>
+          <a:lstStyle/>
+          <a:p>
+            <a:r>
+              <a:rPr lang="en-US" dirty="0"/>
+              <a:t>Experimental </a:t>
+            </a:r>
+            <a:r>
+              <a:rPr lang="en-US" dirty="0" smtClean="0"/>
+              <a:t>Results</a:t>
+            </a:r>
+            <a:endParaRPr lang="en-US" dirty="0"/>
+          </a:p>
+        </p:txBody>
+      </p:sp>
+      <p:sp>
+        <p:nvSpPr>
+          <p:cNvPr id="3" name="내용 개체 틀 2"/>
+          <p:cNvSpPr>
+            <a:spLocks noGrp="1"/>
+          </p:cNvSpPr>
+          <p:nvPr>
+            <p:ph idx="1"/>
+          </p:nvPr>
+        </p:nvSpPr>
+        <p:spPr/>
+        <p:txBody>
+          <a:bodyPr>
+            <a:normAutofit lnSpcReduction="10000"/>
+          </a:bodyPr>
+          <a:lstStyle/>
+          <a:p>
+            <a:pPr lvl="1"/>
+            <a:r>
+              <a:rPr lang="en-US" dirty="0" smtClean="0"/>
+              <a:t>Success Rate of the prediction</a:t>
+            </a:r>
+          </a:p>
+          <a:p>
+            <a:pPr lvl="1"/>
+            <a:endParaRPr lang="en-US" dirty="0" smtClean="0"/>
+          </a:p>
+          <a:p>
+            <a:pPr lvl="1"/>
+            <a:endParaRPr lang="en-US" dirty="0"/>
+          </a:p>
+          <a:p>
+            <a:pPr lvl="1"/>
+            <a:endParaRPr lang="en-US" dirty="0" smtClean="0"/>
+          </a:p>
+          <a:p>
+            <a:pPr lvl="1"/>
+            <a:endParaRPr lang="en-US" dirty="0" smtClean="0"/>
+          </a:p>
+          <a:p>
+            <a:pPr lvl="1"/>
+            <a:endParaRPr lang="en-US" dirty="0"/>
+          </a:p>
+          <a:p>
+            <a:pPr lvl="1"/>
+            <a:endParaRPr lang="en-US" dirty="0" smtClean="0"/>
+          </a:p>
+          <a:p>
+            <a:pPr marL="457200" lvl="1" indent="0">
+              <a:buNone/>
+            </a:pPr>
+            <a:endParaRPr lang="en-US" dirty="0" smtClean="0"/>
+          </a:p>
+          <a:p>
+            <a:pPr lvl="1"/>
+            <a:r>
+              <a:rPr lang="en-US" dirty="0" smtClean="0"/>
+              <a:t>Execution time of the prediction</a:t>
+            </a:r>
+            <a:endParaRPr lang="en-US" dirty="0"/>
+          </a:p>
+        </p:txBody>
+      </p:sp>
+      <p:sp>
+        <p:nvSpPr>
+          <p:cNvPr id="6" name="TextBox 5"/>
+          <p:cNvSpPr txBox="1"/>
+          <p:nvPr/>
+        </p:nvSpPr>
+        <p:spPr>
+          <a:xfrm>
+            <a:off x="3328896" y="3284984"/>
+            <a:ext cx="2767104" cy="461665"/>
+          </a:xfrm>
+          <a:prstGeom prst="rect">
+            <a:avLst/>
+          </a:prstGeom>
+          <a:noFill/>
+        </p:spPr>
+        <p:txBody>
+          <a:bodyPr wrap="none" rtlCol="0">
+            <a:spAutoFit/>
+          </a:bodyPr>
+          <a:lstStyle/>
+          <a:p>
+            <a:r>
+              <a:rPr lang="en-US" sz="2400" baseline="30000" dirty="0" smtClean="0">
+                <a:latin typeface="Times New Roman" pitchFamily="18" charset="0"/>
+                <a:cs typeface="Times New Roman" pitchFamily="18" charset="0"/>
+              </a:rPr>
+              <a:t>Success </a:t>
+            </a:r>
+            <a:r>
+              <a:rPr lang="en-US" sz="2400" baseline="30000" dirty="0" smtClean="0">
+                <a:latin typeface="Times New Roman" pitchFamily="18" charset="0"/>
+                <a:cs typeface="Times New Roman" pitchFamily="18" charset="0"/>
+              </a:rPr>
+              <a:t>Rate of the Predictions</a:t>
+            </a:r>
+            <a:endParaRPr lang="en-US" sz="2400" i="1" dirty="0">
+              <a:latin typeface="Times New Roman" pitchFamily="18" charset="0"/>
+              <a:cs typeface="Times New Roman" pitchFamily="18" charset="0"/>
+            </a:endParaRPr>
+          </a:p>
+        </p:txBody>
+      </p:sp>
+      <p:sp>
+        <p:nvSpPr>
+          <p:cNvPr id="8" name="TextBox 7"/>
+          <p:cNvSpPr txBox="1"/>
+          <p:nvPr/>
+        </p:nvSpPr>
+        <p:spPr>
+          <a:xfrm>
+            <a:off x="3505200" y="6194938"/>
+            <a:ext cx="2635658" cy="461665"/>
+          </a:xfrm>
+          <a:prstGeom prst="rect">
+            <a:avLst/>
+          </a:prstGeom>
+          <a:noFill/>
+        </p:spPr>
+        <p:txBody>
+          <a:bodyPr wrap="none" rtlCol="0">
+            <a:spAutoFit/>
+          </a:bodyPr>
+          <a:lstStyle/>
+          <a:p>
+            <a:r>
+              <a:rPr lang="en-US" sz="2400" baseline="30000" dirty="0" smtClean="0">
+                <a:latin typeface="Times New Roman" pitchFamily="18" charset="0"/>
+                <a:cs typeface="Times New Roman" pitchFamily="18" charset="0"/>
+              </a:rPr>
+              <a:t>Confidence </a:t>
+            </a:r>
+            <a:r>
+              <a:rPr lang="en-US" sz="2400" baseline="30000" dirty="0" smtClean="0">
+                <a:latin typeface="Times New Roman" pitchFamily="18" charset="0"/>
+                <a:cs typeface="Times New Roman" pitchFamily="18" charset="0"/>
+              </a:rPr>
+              <a:t>of the Predictions</a:t>
+            </a:r>
+            <a:endParaRPr lang="en-US" sz="2400" i="1" dirty="0">
+              <a:latin typeface="Times New Roman" pitchFamily="18" charset="0"/>
+              <a:cs typeface="Times New Roman" pitchFamily="18" charset="0"/>
+            </a:endParaRPr>
+          </a:p>
+        </p:txBody>
+      </p:sp>
+      <p:pic>
+        <p:nvPicPr>
+          <p:cNvPr id="4098" name="Picture 2"/>
+          <p:cNvPicPr>
+            <a:picLocks noChangeAspect="1" noChangeArrowheads="1"/>
+          </p:cNvPicPr>
+          <p:nvPr/>
+        </p:nvPicPr>
+        <p:blipFill>
+          <a:blip r:embed="rId2" cstate="print">
+            <a:extLst>
+              <a:ext uri="{28A0092B-C50C-407E-A947-70E740481C1C}">
+                <a14:useLocalDpi xmlns:a14="http://schemas.microsoft.com/office/drawing/2010/main" val="0"/>
+              </a:ext>
+            </a:extLst>
+          </a:blip>
+          <a:srcRect/>
+          <a:stretch>
+            <a:fillRect/>
+          </a:stretch>
+        </p:blipFill>
+        <p:spPr bwMode="auto">
+          <a:xfrm>
+            <a:off x="72008" y="1442541"/>
+            <a:ext cx="9036496" cy="1914451"/>
+          </a:xfrm>
+          <a:prstGeom prst="rect">
+            <a:avLst/>
+          </a:prstGeom>
+          <a:noFill/>
+          <a:ln>
+            <a:noFill/>
+          </a:ln>
+          <a:effectLst/>
+          <a:extLst>
+            <a:ext uri="{909E8E84-426E-40DD-AFC4-6F175D3DCCD1}">
+              <a14:hiddenFill xmlns:a14="http://schemas.microsoft.com/office/drawing/2010/main">
+                <a:solidFill>
+                  <a:schemeClr val="accent1"/>
+                </a:solidFill>
+              </a14:hiddenFill>
+            </a:ext>
+            <a:ext uri="{91240B29-F687-4F45-9708-019B960494DF}">
+              <a14:hiddenLine xmlns:a14="http://schemas.microsoft.com/office/drawing/2010/main" w="9525">
+                <a:solidFill>
+                  <a:schemeClr val="tx1"/>
+                </a:solidFill>
+                <a:miter lim="800000"/>
+                <a:headEnd/>
+                <a:tailEnd/>
+              </a14:hiddenLine>
+            </a:ext>
+            <a:ext uri="{AF507438-7753-43E0-B8FC-AC1667EBCBE1}">
+              <a14:hiddenEffects xmlns:a14="http://schemas.microsoft.com/office/drawing/2010/main">
+                <a:effectLst>
+                  <a:outerShdw dist="35921" dir="2700000" algn="ctr" rotWithShape="0">
+                    <a:schemeClr val="bg2"/>
+                  </a:outerShdw>
+                </a:effectLst>
+              </a14:hiddenEffects>
+            </a:ext>
+          </a:extLst>
+        </p:spPr>
+      </p:pic>
+      <p:pic>
+        <p:nvPicPr>
+          <p:cNvPr id="4099" name="Picture 3"/>
+          <p:cNvPicPr>
+            <a:picLocks noChangeAspect="1" noChangeArrowheads="1"/>
+          </p:cNvPicPr>
+          <p:nvPr/>
+        </p:nvPicPr>
+        <p:blipFill>
+          <a:blip r:embed="rId3" cstate="print">
+            <a:extLst>
+              <a:ext uri="{28A0092B-C50C-407E-A947-70E740481C1C}">
+                <a14:useLocalDpi xmlns:a14="http://schemas.microsoft.com/office/drawing/2010/main" val="0"/>
+              </a:ext>
+            </a:extLst>
+          </a:blip>
+          <a:srcRect/>
+          <a:stretch>
+            <a:fillRect/>
+          </a:stretch>
+        </p:blipFill>
+        <p:spPr bwMode="auto">
+          <a:xfrm>
+            <a:off x="264441" y="4437112"/>
+            <a:ext cx="8844063" cy="1757826"/>
+          </a:xfrm>
+          <a:prstGeom prst="rect">
+            <a:avLst/>
+          </a:prstGeom>
+          <a:noFill/>
+          <a:ln>
+            <a:noFill/>
+          </a:ln>
+          <a:effectLst/>
+          <a:extLst>
+            <a:ext uri="{909E8E84-426E-40DD-AFC4-6F175D3DCCD1}">
+              <a14:hiddenFill xmlns:a14="http://schemas.microsoft.com/office/drawing/2010/main">
+                <a:solidFill>
+                  <a:schemeClr val="accent1"/>
+                </a:solidFill>
+              </a14:hiddenFill>
+            </a:ext>
+            <a:ext uri="{91240B29-F687-4F45-9708-019B960494DF}">
+              <a14:hiddenLine xmlns:a14="http://schemas.microsoft.com/office/drawing/2010/main" w="9525">
+                <a:solidFill>
+                  <a:schemeClr val="tx1"/>
+                </a:solidFill>
+                <a:miter lim="800000"/>
+                <a:headEnd/>
+                <a:tailEnd/>
+              </a14:hiddenLine>
+            </a:ext>
+            <a:ext uri="{AF507438-7753-43E0-B8FC-AC1667EBCBE1}">
+              <a14:hiddenEffects xmlns:a14="http://schemas.microsoft.com/office/drawing/2010/main">
+                <a:effectLst>
+                  <a:outerShdw dist="35921" dir="2700000" algn="ctr" rotWithShape="0">
+                    <a:schemeClr val="bg2"/>
+                  </a:outerShdw>
+                </a:effectLst>
+              </a14:hiddenEffects>
+            </a:ext>
+          </a:extLst>
+        </p:spPr>
+      </p:pic>
+    </p:spTree>
+    <p:extLst>
+      <p:ext uri="{BB962C8B-B14F-4D97-AF65-F5344CB8AC3E}">
+        <p14:creationId xmlns:p14="http://schemas.microsoft.com/office/powerpoint/2010/main" val="1462936081"/>
+      </p:ext>
+    </p:extLst>
+  </p:cSld>
+  <p:clrMapOvr>
+    <a:masterClrMapping/>
+  </p:clrMapOvr>
+  <p:timing>
+    <p:tnLst>
+      <p:par>
+        <p:cTn id="1" dur="indefinite" restart="never" nodeType="tmRoot"/>
+      </p:par>
+    </p:tnLst>
+  </p:timing>
+</p:sld>
+</file>
+
+<file path=ppt/slides/slide18.xml><?xml version="1.0" encoding="utf-8"?>
+<p:sld xmlns:a="http://schemas.openxmlformats.org/drawingml/2006/main" xmlns:r="http://schemas.openxmlformats.org/officeDocument/2006/relationships" xmlns:p="http://schemas.openxmlformats.org/presentationml/2006/main">
+  <p:cSld>
+    <p:spTree>
+      <p:nvGrpSpPr>
+        <p:cNvPr id="1" name=""/>
+        <p:cNvGrpSpPr/>
+        <p:nvPr/>
+      </p:nvGrpSpPr>
+      <p:grpSpPr>
+        <a:xfrm>
+          <a:off x="0" y="0"/>
+          <a:ext cx="0" cy="0"/>
+          <a:chOff x="0" y="0"/>
+          <a:chExt cx="0" cy="0"/>
+        </a:xfrm>
+      </p:grpSpPr>
+      <p:sp>
+        <p:nvSpPr>
+          <p:cNvPr id="2" name="제목 1"/>
+          <p:cNvSpPr>
+            <a:spLocks noGrp="1"/>
+          </p:cNvSpPr>
+          <p:nvPr>
+            <p:ph type="title"/>
+          </p:nvPr>
+        </p:nvSpPr>
+        <p:spPr/>
+        <p:txBody>
+          <a:bodyPr>
+            <a:normAutofit/>
+          </a:bodyPr>
+          <a:lstStyle/>
+          <a:p>
+            <a:r>
+              <a:rPr lang="en-US" altLang="ko-KR" dirty="0" smtClean="0"/>
+              <a:t>Division of Labor</a:t>
+            </a:r>
+            <a:endParaRPr lang="ko-KR" altLang="en-US" dirty="0"/>
+          </a:p>
+        </p:txBody>
+      </p:sp>
+      <p:pic>
+        <p:nvPicPr>
+          <p:cNvPr id="2050" name="Picture 2"/>
+          <p:cNvPicPr>
+            <a:picLocks noChangeAspect="1" noChangeArrowheads="1"/>
+          </p:cNvPicPr>
+          <p:nvPr/>
+        </p:nvPicPr>
+        <p:blipFill>
+          <a:blip r:embed="rId2">
+            <a:extLst>
+              <a:ext uri="{28A0092B-C50C-407E-A947-70E740481C1C}">
+                <a14:useLocalDpi xmlns:a14="http://schemas.microsoft.com/office/drawing/2010/main" val="0"/>
+              </a:ext>
+            </a:extLst>
+          </a:blip>
+          <a:srcRect/>
+          <a:stretch>
+            <a:fillRect/>
+          </a:stretch>
+        </p:blipFill>
+        <p:spPr bwMode="auto">
+          <a:xfrm>
+            <a:off x="942975" y="1628800"/>
+            <a:ext cx="7258050" cy="4029075"/>
+          </a:xfrm>
+          <a:prstGeom prst="rect">
+            <a:avLst/>
+          </a:prstGeom>
+          <a:noFill/>
+          <a:ln>
+            <a:noFill/>
+          </a:ln>
+          <a:effectLst/>
+          <a:extLst>
+            <a:ext uri="{909E8E84-426E-40DD-AFC4-6F175D3DCCD1}">
+              <a14:hiddenFill xmlns:a14="http://schemas.microsoft.com/office/drawing/2010/main">
+                <a:solidFill>
+                  <a:schemeClr val="accent1"/>
+                </a:solidFill>
+              </a14:hiddenFill>
+            </a:ext>
+            <a:ext uri="{91240B29-F687-4F45-9708-019B960494DF}">
+              <a14:hiddenLine xmlns:a14="http://schemas.microsoft.com/office/drawing/2010/main" w="9525">
+                <a:solidFill>
+                  <a:schemeClr val="tx1"/>
+                </a:solidFill>
+                <a:miter lim="800000"/>
+                <a:headEnd/>
+                <a:tailEnd/>
+              </a14:hiddenLine>
+            </a:ext>
+            <a:ext uri="{AF507438-7753-43E0-B8FC-AC1667EBCBE1}">
+              <a14:hiddenEffects xmlns:a14="http://schemas.microsoft.com/office/drawing/2010/main">
+                <a:effectLst>
+                  <a:outerShdw dist="35921" dir="2700000" algn="ctr" rotWithShape="0">
+                    <a:schemeClr val="bg2"/>
+                  </a:outerShdw>
+                </a:effectLst>
+              </a14:hiddenEffects>
+            </a:ext>
+          </a:extLst>
+        </p:spPr>
+      </p:pic>
+    </p:spTree>
+    <p:extLst>
+      <p:ext uri="{BB962C8B-B14F-4D97-AF65-F5344CB8AC3E}">
+        <p14:creationId xmlns:p14="http://schemas.microsoft.com/office/powerpoint/2010/main" val="2085120216"/>
+      </p:ext>
+    </p:extLst>
+  </p:cSld>
+  <p:clrMapOvr>
+    <a:masterClrMapping/>
+  </p:clrMapOvr>
+</p:sld>
+</file>
+
+<file path=ppt/slides/slide19.xml><?xml version="1.0" encoding="utf-8"?>
+<p:sld xmlns:a="http://schemas.openxmlformats.org/drawingml/2006/main" xmlns:r="http://schemas.openxmlformats.org/officeDocument/2006/relationships" xmlns:p="http://schemas.openxmlformats.org/presentationml/2006/main">
+  <p:cSld>
+    <p:spTree>
+      <p:nvGrpSpPr>
+        <p:cNvPr id="1" name=""/>
+        <p:cNvGrpSpPr/>
+        <p:nvPr/>
+      </p:nvGrpSpPr>
+      <p:grpSpPr>
+        <a:xfrm>
+          <a:off x="0" y="0"/>
+          <a:ext cx="0" cy="0"/>
+          <a:chOff x="0" y="0"/>
+          <a:chExt cx="0" cy="0"/>
+        </a:xfrm>
+      </p:grpSpPr>
+      <p:sp>
+        <p:nvSpPr>
+          <p:cNvPr id="2" name="제목 1"/>
+          <p:cNvSpPr>
+            <a:spLocks noGrp="1"/>
+          </p:cNvSpPr>
+          <p:nvPr>
+            <p:ph type="title"/>
+          </p:nvPr>
+        </p:nvSpPr>
+        <p:spPr/>
+        <p:txBody>
+          <a:bodyPr>
+            <a:normAutofit/>
+          </a:bodyPr>
+          <a:lstStyle/>
+          <a:p>
+            <a:r>
+              <a:rPr lang="en-US" altLang="ko-KR" dirty="0" err="1" smtClean="0"/>
+              <a:t>QnA</a:t>
+            </a:r>
+            <a:endParaRPr lang="ko-KR" altLang="en-US" dirty="0"/>
+          </a:p>
+        </p:txBody>
+      </p:sp>
+      <p:sp>
+        <p:nvSpPr>
+          <p:cNvPr id="3" name="내용 개체 틀 2"/>
+          <p:cNvSpPr>
+            <a:spLocks noGrp="1"/>
+          </p:cNvSpPr>
+          <p:nvPr>
+            <p:ph idx="1"/>
+          </p:nvPr>
+        </p:nvSpPr>
+        <p:spPr/>
+        <p:txBody>
+          <a:bodyPr/>
+          <a:lstStyle/>
+          <a:p>
+            <a:r>
+              <a:rPr lang="en-US" altLang="ko-KR" dirty="0" smtClean="0"/>
+              <a:t>Thanks!</a:t>
+            </a:r>
+            <a:endParaRPr lang="ko-KR" altLang="en-US" dirty="0"/>
+          </a:p>
+        </p:txBody>
+      </p:sp>
+    </p:spTree>
+    <p:extLst>
+      <p:ext uri="{BB962C8B-B14F-4D97-AF65-F5344CB8AC3E}">
+        <p14:creationId xmlns:p14="http://schemas.microsoft.com/office/powerpoint/2010/main" val="3443236548"/>
+      </p:ext>
+    </p:extLst>
+  </p:cSld>
+  <p:clrMapOvr>
+    <a:masterClrMapping/>
+  </p:clrMapOvr>
 </p:sld>
 </file>
 
@@ -4124,14 +7050,19 @@
           <a:p>
             <a:r>
               <a:rPr lang="en-US" altLang="ko-KR" dirty="0" smtClean="0"/>
-              <a:t>People are judged by their movie preference!</a:t>
-            </a:r>
-          </a:p>
-          <a:p>
-            <a:pPr lvl="1"/>
+              <a:t>People </a:t>
+            </a:r>
             <a:r>
               <a:rPr lang="en-US" altLang="ko-KR" dirty="0" smtClean="0"/>
-              <a:t>1988 Video Privacy Protection Act</a:t>
+              <a:t>can be</a:t>
+            </a:r>
+            <a:r>
+              <a:rPr lang="en-US" altLang="ko-KR" dirty="0" smtClean="0"/>
+              <a:t> </a:t>
+            </a:r>
+            <a:r>
+              <a:rPr lang="en-US" altLang="ko-KR" dirty="0" smtClean="0"/>
+              <a:t>judged by their movie preference!</a:t>
             </a:r>
           </a:p>
           <a:p>
@@ -4239,15 +7170,9 @@
           <a:p>
             <a:r>
               <a:rPr lang="en-US" altLang="ko-KR" dirty="0" smtClean="0"/>
-              <a:t>Reproducibility</a:t>
+              <a:t>Reproducibility &amp; Uniqueness </a:t>
             </a:r>
             <a:endParaRPr lang="en-US" altLang="ko-KR" dirty="0" smtClean="0"/>
-          </a:p>
-          <a:p>
-            <a:r>
-              <a:rPr lang="en-US" altLang="ko-KR" dirty="0" smtClean="0"/>
-              <a:t>Uniqueness </a:t>
-            </a:r>
           </a:p>
           <a:p>
             <a:r>
@@ -4314,7 +7239,6 @@
               <a:rPr lang="en-US" altLang="ko-KR" dirty="0" smtClean="0"/>
               <a:t>Reproducibility &amp; Uniqueness </a:t>
             </a:r>
-            <a:endParaRPr lang="en-US" altLang="ko-KR" dirty="0" smtClean="0"/>
           </a:p>
         </p:txBody>
       </p:sp>
@@ -4329,7 +7253,7 @@
           </p:nvPr>
         </p:nvPicPr>
         <p:blipFill>
-          <a:blip r:embed="rId2">
+          <a:blip r:embed="rId3">
             <a:extLst>
               <a:ext uri="{28A0092B-C50C-407E-A947-70E740481C1C}">
                 <a14:useLocalDpi xmlns:a14="http://schemas.microsoft.com/office/drawing/2010/main" val="0"/>
@@ -4344,7 +7268,7 @@
         <p:spPr bwMode="auto">
           <a:xfrm>
             <a:off x="452339" y="2209800"/>
-            <a:ext cx="4119661" cy="2061974"/>
+            <a:ext cx="4119661" cy="1905000"/>
           </a:xfrm>
           <a:prstGeom prst="rect">
             <a:avLst/>
@@ -4370,7 +7294,7 @@
           <p:nvPr/>
         </p:nvPicPr>
         <p:blipFill>
-          <a:blip r:embed="rId3">
+          <a:blip r:embed="rId4">
             <a:extLst>
               <a:ext uri="{28A0092B-C50C-407E-A947-70E740481C1C}">
                 <a14:useLocalDpi xmlns:a14="http://schemas.microsoft.com/office/drawing/2010/main" val="0"/>
@@ -4385,7 +7309,7 @@
         <p:spPr bwMode="auto">
           <a:xfrm>
             <a:off x="4572000" y="2209800"/>
-            <a:ext cx="4119661" cy="2061974"/>
+            <a:ext cx="4119661" cy="1905000"/>
           </a:xfrm>
           <a:prstGeom prst="rect">
             <a:avLst/>
@@ -4561,7 +7485,10 @@
             </a:lvl9pPr>
           </a:lstStyle>
           <a:p>
-            <a:endParaRPr lang="en-US" altLang="ko-KR" dirty="0" smtClean="0"/>
+            <a:endParaRPr lang="en-US" altLang="ko-KR" dirty="0" smtClean="0">
+              <a:latin typeface="Times New Roman" pitchFamily="18" charset="0"/>
+              <a:cs typeface="Times New Roman" pitchFamily="18" charset="0"/>
+            </a:endParaRPr>
           </a:p>
         </p:txBody>
       </p:sp>
@@ -4574,13 +7501,13 @@
           <p:nvPr>
             <p:extLst>
               <p:ext uri="{D42A27DB-BD31-4B8C-83A1-F6EECF244321}">
-                <p14:modId xmlns:p14="http://schemas.microsoft.com/office/powerpoint/2010/main" val="3101697949"/>
+                <p14:modId xmlns:p14="http://schemas.microsoft.com/office/powerpoint/2010/main" val="946650014"/>
               </p:ext>
             </p:extLst>
           </p:nvPr>
         </p:nvGraphicFramePr>
         <p:xfrm>
-          <a:off x="2057400" y="4632960"/>
+          <a:off x="2057400" y="4556760"/>
           <a:ext cx="4953000" cy="1844040"/>
         </p:xfrm>
         <a:graphic>
@@ -4603,10 +7530,16 @@
                     <a:p>
                       <a:pPr algn="ctr" latinLnBrk="1"/>
                       <a:r>
-                        <a:rPr lang="en-US" altLang="ko-KR" sz="1800" dirty="0" smtClean="0"/>
+                        <a:rPr lang="en-US" altLang="ko-KR" sz="1800" dirty="0" smtClean="0">
+                          <a:latin typeface="Times New Roman" pitchFamily="18" charset="0"/>
+                          <a:cs typeface="Times New Roman" pitchFamily="18" charset="0"/>
+                        </a:rPr>
                         <a:t>Movies</a:t>
                       </a:r>
-                      <a:endParaRPr lang="ko-KR" altLang="en-US" sz="1800" dirty="0"/>
+                      <a:endParaRPr lang="ko-KR" altLang="en-US" sz="1800" dirty="0">
+                        <a:latin typeface="Times New Roman" pitchFamily="18" charset="0"/>
+                        <a:cs typeface="Times New Roman" pitchFamily="18" charset="0"/>
+                      </a:endParaRPr>
                     </a:p>
                   </a:txBody>
                   <a:tcPr anchor="ctr">
@@ -4666,10 +7599,16 @@
                     <a:p>
                       <a:pPr algn="ctr" latinLnBrk="1"/>
                       <a:r>
-                        <a:rPr lang="en-US" altLang="ko-KR" dirty="0" smtClean="0"/>
+                        <a:rPr lang="en-US" altLang="ko-KR" dirty="0" smtClean="0">
+                          <a:latin typeface="Times New Roman" pitchFamily="18" charset="0"/>
+                          <a:cs typeface="Times New Roman" pitchFamily="18" charset="0"/>
+                        </a:rPr>
                         <a:t>Euclidean Distance</a:t>
                       </a:r>
-                      <a:endParaRPr lang="ko-KR" altLang="en-US" dirty="0"/>
+                      <a:endParaRPr lang="ko-KR" altLang="en-US" dirty="0">
+                        <a:latin typeface="Times New Roman" pitchFamily="18" charset="0"/>
+                        <a:cs typeface="Times New Roman" pitchFamily="18" charset="0"/>
+                      </a:endParaRPr>
                     </a:p>
                   </a:txBody>
                   <a:tcPr>
@@ -4765,6 +7704,8 @@
                           <a:solidFill>
                             <a:schemeClr val="bg1"/>
                           </a:solidFill>
+                          <a:latin typeface="Times New Roman" pitchFamily="18" charset="0"/>
+                          <a:cs typeface="Times New Roman" pitchFamily="18" charset="0"/>
                         </a:rPr>
                         <a:t>Avg</a:t>
                       </a:r>
@@ -4772,6 +7713,8 @@
                         <a:solidFill>
                           <a:schemeClr val="bg1"/>
                         </a:solidFill>
+                        <a:latin typeface="Times New Roman" pitchFamily="18" charset="0"/>
+                        <a:cs typeface="Times New Roman" pitchFamily="18" charset="0"/>
                       </a:endParaRPr>
                     </a:p>
                   </a:txBody>
@@ -4836,6 +7779,8 @@
                           <a:solidFill>
                             <a:schemeClr val="bg1"/>
                           </a:solidFill>
+                          <a:latin typeface="Times New Roman" pitchFamily="18" charset="0"/>
+                          <a:cs typeface="Times New Roman" pitchFamily="18" charset="0"/>
                         </a:rPr>
                         <a:t>Min</a:t>
                       </a:r>
@@ -4843,6 +7788,8 @@
                         <a:solidFill>
                           <a:schemeClr val="bg1"/>
                         </a:solidFill>
+                        <a:latin typeface="Times New Roman" pitchFamily="18" charset="0"/>
+                        <a:cs typeface="Times New Roman" pitchFamily="18" charset="0"/>
                       </a:endParaRPr>
                     </a:p>
                   </a:txBody>
@@ -4907,6 +7854,8 @@
                           <a:solidFill>
                             <a:schemeClr val="bg1"/>
                           </a:solidFill>
+                          <a:latin typeface="Times New Roman" pitchFamily="18" charset="0"/>
+                          <a:cs typeface="Times New Roman" pitchFamily="18" charset="0"/>
                         </a:rPr>
                         <a:t>Max</a:t>
                       </a:r>
@@ -4914,6 +7863,8 @@
                         <a:solidFill>
                           <a:schemeClr val="bg1"/>
                         </a:solidFill>
+                        <a:latin typeface="Times New Roman" pitchFamily="18" charset="0"/>
+                        <a:cs typeface="Times New Roman" pitchFamily="18" charset="0"/>
                       </a:endParaRPr>
                     </a:p>
                   </a:txBody>
@@ -4992,10 +7943,16 @@
                         <a:defRPr/>
                       </a:pPr>
                       <a:r>
-                        <a:rPr lang="en-US" altLang="ko-KR" dirty="0" smtClean="0"/>
+                        <a:rPr lang="en-US" altLang="ko-KR" dirty="0" smtClean="0">
+                          <a:latin typeface="Times New Roman" pitchFamily="18" charset="0"/>
+                          <a:cs typeface="Times New Roman" pitchFamily="18" charset="0"/>
+                        </a:rPr>
                         <a:t>Movie #1 - #1</a:t>
                       </a:r>
-                      <a:endParaRPr lang="ko-KR" altLang="en-US" dirty="0" smtClean="0"/>
+                      <a:endParaRPr lang="ko-KR" altLang="en-US" dirty="0" smtClean="0">
+                        <a:latin typeface="Times New Roman" pitchFamily="18" charset="0"/>
+                        <a:cs typeface="Times New Roman" pitchFamily="18" charset="0"/>
+                      </a:endParaRPr>
                     </a:p>
                   </a:txBody>
                   <a:tcPr>
@@ -5052,10 +8009,16 @@
                     <a:p>
                       <a:pPr algn="ctr" latinLnBrk="1"/>
                       <a:r>
-                        <a:rPr lang="en-US" altLang="ko-KR" dirty="0" smtClean="0"/>
+                        <a:rPr lang="en-US" altLang="ko-KR" dirty="0" smtClean="0">
+                          <a:latin typeface="Times New Roman" pitchFamily="18" charset="0"/>
+                          <a:cs typeface="Times New Roman" pitchFamily="18" charset="0"/>
+                        </a:rPr>
                         <a:t>107.2</a:t>
                       </a:r>
-                      <a:endParaRPr lang="ko-KR" altLang="en-US" dirty="0"/>
+                      <a:endParaRPr lang="ko-KR" altLang="en-US" dirty="0">
+                        <a:latin typeface="Times New Roman" pitchFamily="18" charset="0"/>
+                        <a:cs typeface="Times New Roman" pitchFamily="18" charset="0"/>
+                      </a:endParaRPr>
                     </a:p>
                   </a:txBody>
                   <a:tcPr anchor="ctr">
@@ -5112,10 +8075,16 @@
                     <a:p>
                       <a:pPr algn="ctr" latinLnBrk="1"/>
                       <a:r>
-                        <a:rPr lang="en-US" altLang="ko-KR" dirty="0" smtClean="0"/>
+                        <a:rPr lang="en-US" altLang="ko-KR" dirty="0" smtClean="0">
+                          <a:latin typeface="Times New Roman" pitchFamily="18" charset="0"/>
+                          <a:cs typeface="Times New Roman" pitchFamily="18" charset="0"/>
+                        </a:rPr>
                         <a:t>74.7</a:t>
                       </a:r>
-                      <a:endParaRPr lang="ko-KR" altLang="en-US" dirty="0"/>
+                      <a:endParaRPr lang="ko-KR" altLang="en-US" dirty="0">
+                        <a:latin typeface="Times New Roman" pitchFamily="18" charset="0"/>
+                        <a:cs typeface="Times New Roman" pitchFamily="18" charset="0"/>
+                      </a:endParaRPr>
                     </a:p>
                   </a:txBody>
                   <a:tcPr anchor="ctr">
@@ -5172,10 +8141,16 @@
                     <a:p>
                       <a:pPr algn="ctr" latinLnBrk="1"/>
                       <a:r>
-                        <a:rPr lang="en-US" altLang="ko-KR" dirty="0" smtClean="0"/>
+                        <a:rPr lang="en-US" altLang="ko-KR" dirty="0" smtClean="0">
+                          <a:latin typeface="Times New Roman" pitchFamily="18" charset="0"/>
+                          <a:cs typeface="Times New Roman" pitchFamily="18" charset="0"/>
+                        </a:rPr>
                         <a:t>140.1</a:t>
                       </a:r>
-                      <a:endParaRPr lang="ko-KR" altLang="en-US" dirty="0"/>
+                      <a:endParaRPr lang="ko-KR" altLang="en-US" dirty="0">
+                        <a:latin typeface="Times New Roman" pitchFamily="18" charset="0"/>
+                        <a:cs typeface="Times New Roman" pitchFamily="18" charset="0"/>
+                      </a:endParaRPr>
                     </a:p>
                   </a:txBody>
                   <a:tcPr anchor="ctr">
@@ -5250,10 +8225,16 @@
                         <a:defRPr/>
                       </a:pPr>
                       <a:r>
-                        <a:rPr lang="en-US" altLang="ko-KR" dirty="0" smtClean="0"/>
+                        <a:rPr lang="en-US" altLang="ko-KR" dirty="0" smtClean="0">
+                          <a:latin typeface="Times New Roman" pitchFamily="18" charset="0"/>
+                          <a:cs typeface="Times New Roman" pitchFamily="18" charset="0"/>
+                        </a:rPr>
                         <a:t>Movie #2 - #2</a:t>
                       </a:r>
-                      <a:endParaRPr lang="ko-KR" altLang="en-US" dirty="0" smtClean="0"/>
+                      <a:endParaRPr lang="ko-KR" altLang="en-US" dirty="0" smtClean="0">
+                        <a:latin typeface="Times New Roman" pitchFamily="18" charset="0"/>
+                        <a:cs typeface="Times New Roman" pitchFamily="18" charset="0"/>
+                      </a:endParaRPr>
                     </a:p>
                   </a:txBody>
                   <a:tcPr>
@@ -5310,10 +8291,16 @@
                     <a:p>
                       <a:pPr algn="ctr" latinLnBrk="1"/>
                       <a:r>
-                        <a:rPr lang="en-US" altLang="ko-KR" dirty="0" smtClean="0"/>
+                        <a:rPr lang="en-US" altLang="ko-KR" dirty="0" smtClean="0">
+                          <a:latin typeface="Times New Roman" pitchFamily="18" charset="0"/>
+                          <a:cs typeface="Times New Roman" pitchFamily="18" charset="0"/>
+                        </a:rPr>
                         <a:t>91.3</a:t>
                       </a:r>
-                      <a:endParaRPr lang="ko-KR" altLang="en-US" dirty="0"/>
+                      <a:endParaRPr lang="ko-KR" altLang="en-US" dirty="0">
+                        <a:latin typeface="Times New Roman" pitchFamily="18" charset="0"/>
+                        <a:cs typeface="Times New Roman" pitchFamily="18" charset="0"/>
+                      </a:endParaRPr>
                     </a:p>
                   </a:txBody>
                   <a:tcPr anchor="ctr">
@@ -5370,10 +8357,16 @@
                     <a:p>
                       <a:pPr algn="ctr" latinLnBrk="1"/>
                       <a:r>
-                        <a:rPr lang="en-US" altLang="ko-KR" dirty="0" smtClean="0"/>
+                        <a:rPr lang="en-US" altLang="ko-KR" dirty="0" smtClean="0">
+                          <a:latin typeface="Times New Roman" pitchFamily="18" charset="0"/>
+                          <a:cs typeface="Times New Roman" pitchFamily="18" charset="0"/>
+                        </a:rPr>
                         <a:t>70.6</a:t>
                       </a:r>
-                      <a:endParaRPr lang="ko-KR" altLang="en-US" dirty="0"/>
+                      <a:endParaRPr lang="ko-KR" altLang="en-US" dirty="0">
+                        <a:latin typeface="Times New Roman" pitchFamily="18" charset="0"/>
+                        <a:cs typeface="Times New Roman" pitchFamily="18" charset="0"/>
+                      </a:endParaRPr>
                     </a:p>
                   </a:txBody>
                   <a:tcPr anchor="ctr">
@@ -5430,10 +8423,16 @@
                     <a:p>
                       <a:pPr algn="ctr" latinLnBrk="1"/>
                       <a:r>
-                        <a:rPr lang="en-US" altLang="ko-KR" dirty="0" smtClean="0"/>
+                        <a:rPr lang="en-US" altLang="ko-KR" dirty="0" smtClean="0">
+                          <a:latin typeface="Times New Roman" pitchFamily="18" charset="0"/>
+                          <a:cs typeface="Times New Roman" pitchFamily="18" charset="0"/>
+                        </a:rPr>
                         <a:t>120.6</a:t>
                       </a:r>
-                      <a:endParaRPr lang="ko-KR" altLang="en-US" dirty="0"/>
+                      <a:endParaRPr lang="ko-KR" altLang="en-US" dirty="0">
+                        <a:latin typeface="Times New Roman" pitchFamily="18" charset="0"/>
+                        <a:cs typeface="Times New Roman" pitchFamily="18" charset="0"/>
+                      </a:endParaRPr>
                     </a:p>
                   </a:txBody>
                   <a:tcPr anchor="ctr">
@@ -5508,14 +8507,23 @@
                         <a:defRPr/>
                       </a:pPr>
                       <a:r>
-                        <a:rPr lang="en-US" altLang="ko-KR" dirty="0" smtClean="0"/>
+                        <a:rPr lang="en-US" altLang="ko-KR" dirty="0" smtClean="0">
+                          <a:latin typeface="Times New Roman" pitchFamily="18" charset="0"/>
+                          <a:cs typeface="Times New Roman" pitchFamily="18" charset="0"/>
+                        </a:rPr>
                         <a:t>Movie</a:t>
                       </a:r>
                       <a:r>
-                        <a:rPr lang="en-US" altLang="ko-KR" baseline="0" dirty="0" smtClean="0"/>
+                        <a:rPr lang="en-US" altLang="ko-KR" baseline="0" dirty="0" smtClean="0">
+                          <a:latin typeface="Times New Roman" pitchFamily="18" charset="0"/>
+                          <a:cs typeface="Times New Roman" pitchFamily="18" charset="0"/>
+                        </a:rPr>
                         <a:t> #1 – #2</a:t>
                       </a:r>
-                      <a:endParaRPr lang="ko-KR" altLang="en-US" dirty="0" smtClean="0"/>
+                      <a:endParaRPr lang="ko-KR" altLang="en-US" dirty="0" smtClean="0">
+                        <a:latin typeface="Times New Roman" pitchFamily="18" charset="0"/>
+                        <a:cs typeface="Times New Roman" pitchFamily="18" charset="0"/>
+                      </a:endParaRPr>
                     </a:p>
                   </a:txBody>
                   <a:tcPr>
@@ -5572,10 +8580,16 @@
                     <a:p>
                       <a:pPr algn="ctr" latinLnBrk="1"/>
                       <a:r>
-                        <a:rPr lang="en-US" altLang="ko-KR" dirty="0" smtClean="0"/>
+                        <a:rPr lang="en-US" altLang="ko-KR" dirty="0" smtClean="0">
+                          <a:latin typeface="Times New Roman" pitchFamily="18" charset="0"/>
+                          <a:cs typeface="Times New Roman" pitchFamily="18" charset="0"/>
+                        </a:rPr>
                         <a:t>195.2</a:t>
                       </a:r>
-                      <a:endParaRPr lang="ko-KR" altLang="en-US" dirty="0"/>
+                      <a:endParaRPr lang="ko-KR" altLang="en-US" dirty="0">
+                        <a:latin typeface="Times New Roman" pitchFamily="18" charset="0"/>
+                        <a:cs typeface="Times New Roman" pitchFamily="18" charset="0"/>
+                      </a:endParaRPr>
                     </a:p>
                   </a:txBody>
                   <a:tcPr anchor="ctr">
@@ -5632,10 +8646,16 @@
                     <a:p>
                       <a:pPr algn="ctr" latinLnBrk="1"/>
                       <a:r>
-                        <a:rPr lang="en-US" altLang="ko-KR" dirty="0" smtClean="0"/>
+                        <a:rPr lang="en-US" altLang="ko-KR" dirty="0" smtClean="0">
+                          <a:latin typeface="Times New Roman" pitchFamily="18" charset="0"/>
+                          <a:cs typeface="Times New Roman" pitchFamily="18" charset="0"/>
+                        </a:rPr>
                         <a:t>174.8</a:t>
                       </a:r>
-                      <a:endParaRPr lang="ko-KR" altLang="en-US" dirty="0"/>
+                      <a:endParaRPr lang="ko-KR" altLang="en-US" dirty="0">
+                        <a:latin typeface="Times New Roman" pitchFamily="18" charset="0"/>
+                        <a:cs typeface="Times New Roman" pitchFamily="18" charset="0"/>
+                      </a:endParaRPr>
                     </a:p>
                   </a:txBody>
                   <a:tcPr anchor="ctr">
@@ -5692,10 +8712,16 @@
                     <a:p>
                       <a:pPr algn="ctr" latinLnBrk="1"/>
                       <a:r>
-                        <a:rPr lang="en-US" altLang="ko-KR" dirty="0" smtClean="0"/>
+                        <a:rPr lang="en-US" altLang="ko-KR" dirty="0" smtClean="0">
+                          <a:latin typeface="Times New Roman" pitchFamily="18" charset="0"/>
+                          <a:cs typeface="Times New Roman" pitchFamily="18" charset="0"/>
+                        </a:rPr>
                         <a:t>210.4</a:t>
                       </a:r>
-                      <a:endParaRPr lang="ko-KR" altLang="en-US" dirty="0"/>
+                      <a:endParaRPr lang="ko-KR" altLang="en-US" dirty="0">
+                        <a:latin typeface="Times New Roman" pitchFamily="18" charset="0"/>
+                        <a:cs typeface="Times New Roman" pitchFamily="18" charset="0"/>
+                      </a:endParaRPr>
                     </a:p>
                   </a:txBody>
                   <a:tcPr anchor="ctr">
@@ -5916,6 +8942,85 @@
           </a:p>
         </p:txBody>
       </p:sp>
+      <p:sp>
+        <p:nvSpPr>
+          <p:cNvPr id="10" name="TextBox 9"/>
+          <p:cNvSpPr txBox="1"/>
+          <p:nvPr/>
+        </p:nvSpPr>
+        <p:spPr>
+          <a:xfrm>
+            <a:off x="2932875" y="4110335"/>
+            <a:ext cx="3288080" cy="461665"/>
+          </a:xfrm>
+          <a:prstGeom prst="rect">
+            <a:avLst/>
+          </a:prstGeom>
+          <a:noFill/>
+        </p:spPr>
+        <p:txBody>
+          <a:bodyPr wrap="none" rtlCol="0">
+            <a:spAutoFit/>
+          </a:bodyPr>
+          <a:lstStyle/>
+          <a:p>
+            <a:r>
+              <a:rPr lang="en-US" sz="2400" baseline="30000" dirty="0" smtClean="0">
+                <a:latin typeface="Times New Roman" pitchFamily="18" charset="0"/>
+                <a:cs typeface="Times New Roman" pitchFamily="18" charset="0"/>
+              </a:rPr>
+              <a:t>CPU statistics of two selected movies</a:t>
+            </a:r>
+            <a:endParaRPr lang="en-US" sz="2400" i="1" dirty="0">
+              <a:latin typeface="Times New Roman" pitchFamily="18" charset="0"/>
+              <a:cs typeface="Times New Roman" pitchFamily="18" charset="0"/>
+            </a:endParaRPr>
+          </a:p>
+        </p:txBody>
+      </p:sp>
+      <p:sp>
+        <p:nvSpPr>
+          <p:cNvPr id="11" name="TextBox 10"/>
+          <p:cNvSpPr txBox="1"/>
+          <p:nvPr/>
+        </p:nvSpPr>
+        <p:spPr>
+          <a:xfrm>
+            <a:off x="2937164" y="6396335"/>
+            <a:ext cx="3690434" cy="461665"/>
+          </a:xfrm>
+          <a:prstGeom prst="rect">
+            <a:avLst/>
+          </a:prstGeom>
+          <a:noFill/>
+        </p:spPr>
+        <p:txBody>
+          <a:bodyPr wrap="none" rtlCol="0">
+            <a:spAutoFit/>
+          </a:bodyPr>
+          <a:lstStyle/>
+          <a:p>
+            <a:r>
+              <a:rPr lang="en-US" sz="2400" baseline="30000" dirty="0" smtClean="0">
+                <a:latin typeface="Times New Roman" pitchFamily="18" charset="0"/>
+                <a:cs typeface="Times New Roman" pitchFamily="18" charset="0"/>
+              </a:rPr>
+              <a:t>Analysis on reproducibility &amp; uniqueness</a:t>
+            </a:r>
+            <a:r>
+              <a:rPr lang="en-US" sz="2400" dirty="0" smtClean="0">
+                <a:latin typeface="Times New Roman" pitchFamily="18" charset="0"/>
+                <a:cs typeface="Times New Roman" pitchFamily="18" charset="0"/>
+              </a:rPr>
+              <a:t> </a:t>
+            </a:r>
+            <a:endParaRPr lang="en-US" sz="2400" i="1" dirty="0">
+              <a:latin typeface="Times New Roman" pitchFamily="18" charset="0"/>
+              <a:cs typeface="Times New Roman" pitchFamily="18" charset="0"/>
+            </a:endParaRPr>
+          </a:p>
+        </p:txBody>
+      </p:sp>
     </p:spTree>
     <p:extLst>
       <p:ext uri="{BB962C8B-B14F-4D97-AF65-F5344CB8AC3E}">
@@ -6035,7 +9140,7 @@
           <p:nvPr/>
         </p:nvPicPr>
         <p:blipFill>
-          <a:blip r:embed="rId2">
+          <a:blip r:embed="rId3">
             <a:extLst>
               <a:ext uri="{28A0092B-C50C-407E-A947-70E740481C1C}">
                 <a14:useLocalDpi xmlns:a14="http://schemas.microsoft.com/office/drawing/2010/main" val="0"/>
@@ -6049,8 +9154,8 @@
         </p:blipFill>
         <p:spPr bwMode="auto">
           <a:xfrm>
-            <a:off x="6705600" y="1981200"/>
-            <a:ext cx="2057400" cy="3429000"/>
+            <a:off x="6629400" y="1752600"/>
+            <a:ext cx="2194560" cy="3657600"/>
           </a:xfrm>
           <a:prstGeom prst="rect">
             <a:avLst/>
@@ -6260,7 +9365,7 @@
           <p:nvPr/>
         </p:nvPicPr>
         <p:blipFill>
-          <a:blip r:embed="rId2">
+          <a:blip r:embed="rId3">
             <a:extLst>
               <a:ext uri="{28A0092B-C50C-407E-A947-70E740481C1C}">
                 <a14:useLocalDpi xmlns:a14="http://schemas.microsoft.com/office/drawing/2010/main" val="0"/>
@@ -6292,6 +9397,42 @@
           </a:extLst>
         </p:spPr>
       </p:pic>
+      <p:sp>
+        <p:nvSpPr>
+          <p:cNvPr id="5" name="TextBox 4"/>
+          <p:cNvSpPr txBox="1"/>
+          <p:nvPr/>
+        </p:nvSpPr>
+        <p:spPr>
+          <a:xfrm>
+            <a:off x="4191000" y="6396335"/>
+            <a:ext cx="1409360" cy="461665"/>
+          </a:xfrm>
+          <a:prstGeom prst="rect">
+            <a:avLst/>
+          </a:prstGeom>
+          <a:noFill/>
+        </p:spPr>
+        <p:txBody>
+          <a:bodyPr wrap="none" rtlCol="0">
+            <a:spAutoFit/>
+          </a:bodyPr>
+          <a:lstStyle/>
+          <a:p>
+            <a:r>
+              <a:rPr lang="en-US" sz="2400" baseline="30000" dirty="0" smtClean="0">
+                <a:latin typeface="Times New Roman" pitchFamily="18" charset="0"/>
+                <a:cs typeface="Times New Roman" pitchFamily="18" charset="0"/>
+              </a:rPr>
+              <a:t>KNN Example</a:t>
+            </a:r>
+            <a:endParaRPr lang="en-US" sz="2400" i="1" dirty="0">
+              <a:latin typeface="Times New Roman" pitchFamily="18" charset="0"/>
+              <a:cs typeface="Times New Roman" pitchFamily="18" charset="0"/>
+            </a:endParaRPr>
+          </a:p>
+        </p:txBody>
+      </p:sp>
     </p:spTree>
     <p:extLst>
       <p:ext uri="{BB962C8B-B14F-4D97-AF65-F5344CB8AC3E}">
@@ -6306,6 +9447,253 @@
     <p:tnLst>
       <p:par>
         <p:cTn id="1" dur="indefinite" restart="never" nodeType="tmRoot"/>
+      </p:par>
+    </p:tnLst>
+  </p:timing>
+</p:sld>
+</file>
+
+<file path=ppt/slides/slide9.xml><?xml version="1.0" encoding="utf-8"?>
+<p:sld xmlns:a="http://schemas.openxmlformats.org/drawingml/2006/main" xmlns:r="http://schemas.openxmlformats.org/officeDocument/2006/relationships" xmlns:p="http://schemas.openxmlformats.org/presentationml/2006/main">
+  <p:cSld>
+    <p:spTree>
+      <p:nvGrpSpPr>
+        <p:cNvPr id="1" name=""/>
+        <p:cNvGrpSpPr/>
+        <p:nvPr/>
+      </p:nvGrpSpPr>
+      <p:grpSpPr>
+        <a:xfrm>
+          <a:off x="0" y="0"/>
+          <a:ext cx="0" cy="0"/>
+          <a:chOff x="0" y="0"/>
+          <a:chExt cx="0" cy="0"/>
+        </a:xfrm>
+      </p:grpSpPr>
+      <p:sp>
+        <p:nvSpPr>
+          <p:cNvPr id="2" name="제목 1"/>
+          <p:cNvSpPr>
+            <a:spLocks noGrp="1"/>
+          </p:cNvSpPr>
+          <p:nvPr>
+            <p:ph type="title"/>
+          </p:nvPr>
+        </p:nvSpPr>
+        <p:spPr/>
+        <p:txBody>
+          <a:bodyPr>
+            <a:normAutofit/>
+          </a:bodyPr>
+          <a:lstStyle/>
+          <a:p>
+            <a:r>
+              <a:rPr lang="en-US" altLang="ko-KR" sz="3600" dirty="0" smtClean="0"/>
+              <a:t>Fast Subsequence Matching Algorithm</a:t>
+            </a:r>
+            <a:endParaRPr lang="ko-KR" altLang="en-US" sz="3600" dirty="0"/>
+          </a:p>
+        </p:txBody>
+      </p:sp>
+      <p:sp>
+        <p:nvSpPr>
+          <p:cNvPr id="3" name="내용 개체 틀 2"/>
+          <p:cNvSpPr>
+            <a:spLocks noGrp="1"/>
+          </p:cNvSpPr>
+          <p:nvPr>
+            <p:ph idx="1"/>
+          </p:nvPr>
+        </p:nvSpPr>
+        <p:spPr/>
+        <p:txBody>
+          <a:bodyPr/>
+          <a:lstStyle/>
+          <a:p>
+            <a:r>
+              <a:rPr lang="en-US" altLang="ko-KR" dirty="0" smtClean="0"/>
+              <a:t>Pre-processing (Database sequence)</a:t>
+            </a:r>
+          </a:p>
+          <a:p>
+            <a:pPr lvl="1"/>
+            <a:r>
+              <a:rPr lang="en-US" altLang="ko-KR" dirty="0" smtClean="0"/>
+              <a:t>Smoothing (</a:t>
+            </a:r>
+            <a:r>
+              <a:rPr lang="en-US" altLang="ko-KR" dirty="0" err="1" smtClean="0"/>
+              <a:t>Savitzky-Gollay</a:t>
+            </a:r>
+            <a:r>
+              <a:rPr lang="en-US" altLang="ko-KR" dirty="0" smtClean="0"/>
+              <a:t> Filter), Averaging</a:t>
+            </a:r>
+          </a:p>
+          <a:p>
+            <a:pPr lvl="1"/>
+            <a:r>
+              <a:rPr lang="en-US" altLang="ko-KR" dirty="0" smtClean="0"/>
+              <a:t>Discrete Fourier Transformation</a:t>
+            </a:r>
+            <a:endParaRPr lang="ko-KR" altLang="en-US" dirty="0"/>
+          </a:p>
+        </p:txBody>
+      </p:sp>
+      <p:pic>
+        <p:nvPicPr>
+          <p:cNvPr id="1033" name="Picture 9"/>
+          <p:cNvPicPr>
+            <a:picLocks noChangeAspect="1" noChangeArrowheads="1"/>
+          </p:cNvPicPr>
+          <p:nvPr/>
+        </p:nvPicPr>
+        <p:blipFill>
+          <a:blip r:embed="rId2" cstate="print"/>
+          <a:srcRect/>
+          <a:stretch>
+            <a:fillRect/>
+          </a:stretch>
+        </p:blipFill>
+        <p:spPr bwMode="auto">
+          <a:xfrm>
+            <a:off x="-36512" y="2492896"/>
+            <a:ext cx="9180512" cy="4361958"/>
+          </a:xfrm>
+          <a:prstGeom prst="rect">
+            <a:avLst/>
+          </a:prstGeom>
+          <a:noFill/>
+          <a:ln w="9525">
+            <a:noFill/>
+            <a:miter lim="800000"/>
+            <a:headEnd/>
+            <a:tailEnd/>
+          </a:ln>
+        </p:spPr>
+      </p:pic>
+      <p:pic>
+        <p:nvPicPr>
+          <p:cNvPr id="1035" name="Picture 11"/>
+          <p:cNvPicPr>
+            <a:picLocks noChangeAspect="1" noChangeArrowheads="1"/>
+          </p:cNvPicPr>
+          <p:nvPr/>
+        </p:nvPicPr>
+        <p:blipFill>
+          <a:blip r:embed="rId3" cstate="print"/>
+          <a:srcRect/>
+          <a:stretch>
+            <a:fillRect/>
+          </a:stretch>
+        </p:blipFill>
+        <p:spPr bwMode="auto">
+          <a:xfrm>
+            <a:off x="0" y="1268760"/>
+            <a:ext cx="9144000" cy="3314095"/>
+          </a:xfrm>
+          <a:prstGeom prst="rect">
+            <a:avLst/>
+          </a:prstGeom>
+          <a:noFill/>
+          <a:ln w="9525">
+            <a:noFill/>
+            <a:miter lim="800000"/>
+            <a:headEnd/>
+            <a:tailEnd/>
+          </a:ln>
+        </p:spPr>
+      </p:pic>
+    </p:spTree>
+    <p:extLst>
+      <p:ext uri="{BB962C8B-B14F-4D97-AF65-F5344CB8AC3E}">
+        <p14:creationId xmlns:p14="http://schemas.microsoft.com/office/powerpoint/2010/main" val="2049117791"/>
+      </p:ext>
+    </p:extLst>
+  </p:cSld>
+  <p:clrMapOvr>
+    <a:masterClrMapping/>
+  </p:clrMapOvr>
+  <p:timing>
+    <p:tnLst>
+      <p:par>
+        <p:cTn id="1" dur="indefinite" restart="never" nodeType="tmRoot">
+          <p:childTnLst>
+            <p:seq concurrent="1" nextAc="seek">
+              <p:cTn id="2" dur="indefinite" nodeType="mainSeq">
+                <p:childTnLst>
+                  <p:par>
+                    <p:cTn id="3" fill="hold">
+                      <p:stCondLst>
+                        <p:cond delay="indefinite"/>
+                      </p:stCondLst>
+                      <p:childTnLst>
+                        <p:par>
+                          <p:cTn id="4" fill="hold">
+                            <p:stCondLst>
+                              <p:cond delay="0"/>
+                            </p:stCondLst>
+                            <p:childTnLst>
+                              <p:par>
+                                <p:cTn id="5" presetID="22" presetClass="entr" presetSubtype="4" fill="hold" nodeType="clickEffect">
+                                  <p:stCondLst>
+                                    <p:cond delay="0"/>
+                                  </p:stCondLst>
+                                  <p:childTnLst>
+                                    <p:set>
+                                      <p:cBhvr>
+                                        <p:cTn id="6" dur="1" fill="hold">
+                                          <p:stCondLst>
+                                            <p:cond delay="0"/>
+                                          </p:stCondLst>
+                                        </p:cTn>
+                                        <p:tgtEl>
+                                          <p:spTgt spid="1035"/>
+                                        </p:tgtEl>
+                                        <p:attrNameLst>
+                                          <p:attrName>style.visibility</p:attrName>
+                                        </p:attrNameLst>
+                                      </p:cBhvr>
+                                      <p:to>
+                                        <p:strVal val="visible"/>
+                                      </p:to>
+                                    </p:set>
+                                    <p:animEffect transition="in" filter="wipe(down)">
+                                      <p:cBhvr>
+                                        <p:cTn id="7" dur="500"/>
+                                        <p:tgtEl>
+                                          <p:spTgt spid="1035"/>
+                                        </p:tgtEl>
+                                      </p:cBhvr>
+                                    </p:animEffect>
+                                  </p:childTnLst>
+                                </p:cTn>
+                              </p:par>
+                            </p:childTnLst>
+                          </p:cTn>
+                        </p:par>
+                      </p:childTnLst>
+                    </p:cTn>
+                  </p:par>
+                </p:childTnLst>
+              </p:cTn>
+              <p:prevCondLst>
+                <p:cond evt="onPrev" delay="0">
+                  <p:tgtEl>
+                    <p:sldTgt/>
+                  </p:tgtEl>
+                </p:cond>
+              </p:prevCondLst>
+              <p:nextCondLst>
+                <p:cond evt="onNext" delay="0">
+                  <p:tgtEl>
+                    <p:sldTgt/>
+                  </p:tgtEl>
+                </p:cond>
+              </p:nextCondLst>
+            </p:seq>
+          </p:childTnLst>
+        </p:cTn>
       </p:par>
     </p:tnLst>
   </p:timing>
